--- a/[데이터마이닝]_과제_02_20230515.pptx
+++ b/[데이터마이닝]_과제_02_20230515.pptx
@@ -5,16 +5,24 @@
     <p:sldMasterId id="2147483649" r:id="rId4"/>
   </p:sldMasterIdLst>
   <p:notesMasterIdLst>
-    <p:notesMasterId r:id="rId9"/>
+    <p:notesMasterId r:id="rId17"/>
   </p:notesMasterIdLst>
   <p:handoutMasterIdLst>
-    <p:handoutMasterId r:id="rId10"/>
+    <p:handoutMasterId r:id="rId18"/>
   </p:handoutMasterIdLst>
   <p:sldIdLst>
     <p:sldId id="449" r:id="rId5"/>
     <p:sldId id="1032" r:id="rId6"/>
-    <p:sldId id="1057" r:id="rId7"/>
-    <p:sldId id="1053" r:id="rId8"/>
+    <p:sldId id="1058" r:id="rId7"/>
+    <p:sldId id="1059" r:id="rId8"/>
+    <p:sldId id="1060" r:id="rId9"/>
+    <p:sldId id="1057" r:id="rId10"/>
+    <p:sldId id="1053" r:id="rId11"/>
+    <p:sldId id="1062" r:id="rId12"/>
+    <p:sldId id="1063" r:id="rId13"/>
+    <p:sldId id="1064" r:id="rId14"/>
+    <p:sldId id="1061" r:id="rId15"/>
+    <p:sldId id="1065" r:id="rId16"/>
   </p:sldIdLst>
   <p:sldSz cx="9144000" cy="6858000" type="screen4x3"/>
   <p:notesSz cx="6797675" cy="9928225"/>
@@ -150,8 +158,16 @@
           <p14:sldIdLst>
             <p14:sldId id="449"/>
             <p14:sldId id="1032"/>
+            <p14:sldId id="1058"/>
+            <p14:sldId id="1059"/>
+            <p14:sldId id="1060"/>
             <p14:sldId id="1057"/>
             <p14:sldId id="1053"/>
+            <p14:sldId id="1062"/>
+            <p14:sldId id="1063"/>
+            <p14:sldId id="1064"/>
+            <p14:sldId id="1061"/>
+            <p14:sldId id="1065"/>
           </p14:sldIdLst>
         </p14:section>
       </p14:sectionLst>
@@ -3329,7 +3345,7 @@
         <p:spPr>
           <a:xfrm>
             <a:off x="6732024" y="5589024"/>
-            <a:ext cx="1962397" cy="338554"/>
+            <a:ext cx="2076209" cy="338554"/>
           </a:xfrm>
           <a:prstGeom prst="rect">
             <a:avLst/>
@@ -3344,13 +3360,13 @@
           <a:p>
             <a:pPr algn="l"/>
             <a:r>
-              <a:rPr lang="ko-KR" altLang="en-US" sz="1600" dirty="0">
+              <a:rPr lang="ko-KR" altLang="en-US" sz="1600" dirty="0" err="1">
                 <a:solidFill>
                   <a:srgbClr val="002060"/>
                 </a:solidFill>
                 <a:ea typeface="맑은 고딕" panose="020B0503020000020004" pitchFamily="50" charset="-127"/>
               </a:rPr>
-              <a:t>김철수</a:t>
+              <a:t>임강혁</a:t>
             </a:r>
             <a:r>
               <a:rPr lang="en-US" altLang="ko-KR" sz="1600" dirty="0">
@@ -3359,7 +3375,7 @@
                 </a:solidFill>
                 <a:ea typeface="맑은 고딕" panose="020B0503020000020004" pitchFamily="50" charset="-127"/>
               </a:rPr>
-              <a:t>(202200000)</a:t>
+              <a:t>(2022254027)</a:t>
             </a:r>
           </a:p>
         </p:txBody>
@@ -3370,6 +3386,815 @@
     <a:masterClrMapping/>
   </p:clrMapOvr>
   <p:transition advTm="83532"/>
+</p:sld>
+</file>
+
+<file path=ppt/slides/slide10.xml><?xml version="1.0" encoding="utf-8"?>
+<p:sld xmlns:a="http://schemas.openxmlformats.org/drawingml/2006/main" xmlns:r="http://schemas.openxmlformats.org/officeDocument/2006/relationships" xmlns:p="http://schemas.openxmlformats.org/presentationml/2006/main">
+  <p:cSld>
+    <p:spTree>
+      <p:nvGrpSpPr>
+        <p:cNvPr id="1" name=""/>
+        <p:cNvGrpSpPr/>
+        <p:nvPr/>
+      </p:nvGrpSpPr>
+      <p:grpSpPr>
+        <a:xfrm>
+          <a:off x="0" y="0"/>
+          <a:ext cx="0" cy="0"/>
+          <a:chOff x="0" y="0"/>
+          <a:chExt cx="0" cy="0"/>
+        </a:xfrm>
+      </p:grpSpPr>
+      <p:sp>
+        <p:nvSpPr>
+          <p:cNvPr id="13" name="제목 1">
+            <a:extLst>
+              <a:ext uri="{FF2B5EF4-FFF2-40B4-BE49-F238E27FC236}">
+                <a16:creationId xmlns:a16="http://schemas.microsoft.com/office/drawing/2014/main" id="{A49C7182-7B37-A58F-119C-E199A6F37E51}"/>
+              </a:ext>
+            </a:extLst>
+          </p:cNvPr>
+          <p:cNvSpPr>
+            <a:spLocks noGrp="1"/>
+          </p:cNvSpPr>
+          <p:nvPr>
+            <p:ph type="title"/>
+          </p:nvPr>
+        </p:nvSpPr>
+        <p:spPr/>
+        <p:txBody>
+          <a:bodyPr>
+            <a:normAutofit/>
+          </a:bodyPr>
+          <a:lstStyle/>
+          <a:p>
+            <a:r>
+              <a:rPr lang="en-US" altLang="ko-KR" dirty="0"/>
+              <a:t>4.4</a:t>
+            </a:r>
+            <a:r>
+              <a:rPr lang="ko-KR" altLang="en-US" dirty="0"/>
+              <a:t> </a:t>
+            </a:r>
+            <a:r>
+              <a:rPr lang="en-US" altLang="ko-KR" dirty="0"/>
+              <a:t>Chemical Features of Wine</a:t>
+            </a:r>
+            <a:endParaRPr lang="ko-KR" altLang="en-US" dirty="0"/>
+          </a:p>
+        </p:txBody>
+      </p:sp>
+      <p:sp>
+        <p:nvSpPr>
+          <p:cNvPr id="5" name="양쪽 모서리가 둥근 사각형 840">
+            <a:extLst>
+              <a:ext uri="{FF2B5EF4-FFF2-40B4-BE49-F238E27FC236}">
+                <a16:creationId xmlns:a16="http://schemas.microsoft.com/office/drawing/2014/main" id="{9842AFC7-4441-8E0F-210F-2450B729D3D7}"/>
+              </a:ext>
+            </a:extLst>
+          </p:cNvPr>
+          <p:cNvSpPr/>
+          <p:nvPr/>
+        </p:nvSpPr>
+        <p:spPr>
+          <a:xfrm>
+            <a:off x="400011" y="989036"/>
+            <a:ext cx="7502025" cy="403071"/>
+          </a:xfrm>
+          <a:prstGeom prst="round2SameRect">
+            <a:avLst/>
+          </a:prstGeom>
+          <a:solidFill>
+            <a:srgbClr val="2D6BDB"/>
+          </a:solidFill>
+          <a:ln>
+            <a:noFill/>
+          </a:ln>
+          <a:effectLst>
+            <a:outerShdw blurRad="50800" dist="38100" algn="l" rotWithShape="0">
+              <a:prstClr val="black">
+                <a:alpha val="13000"/>
+              </a:prstClr>
+            </a:outerShdw>
+          </a:effectLst>
+        </p:spPr>
+        <p:style>
+          <a:lnRef idx="2">
+            <a:schemeClr val="accent1">
+              <a:shade val="50000"/>
+            </a:schemeClr>
+          </a:lnRef>
+          <a:fillRef idx="1">
+            <a:schemeClr val="accent1"/>
+          </a:fillRef>
+          <a:effectRef idx="0">
+            <a:schemeClr val="accent1"/>
+          </a:effectRef>
+          <a:fontRef idx="minor">
+            <a:schemeClr val="lt1"/>
+          </a:fontRef>
+        </p:style>
+        <p:txBody>
+          <a:bodyPr rtlCol="0" anchor="ctr"/>
+          <a:lstStyle/>
+          <a:p>
+            <a:pPr marL="72000" algn="l"/>
+            <a:r>
+              <a:rPr lang="ko-KR" altLang="en-US" sz="1600" dirty="0">
+                <a:ln>
+                  <a:solidFill>
+                    <a:srgbClr val="4F81BD">
+                      <a:alpha val="0"/>
+                    </a:srgbClr>
+                  </a:solidFill>
+                </a:ln>
+                <a:solidFill>
+                  <a:schemeClr val="bg1"/>
+                </a:solidFill>
+                <a:latin typeface="맑은 고딕" panose="020B0503020000020004" pitchFamily="50" charset="-127"/>
+                <a:ea typeface="맑은 고딕" panose="020B0503020000020004" pitchFamily="50" charset="-127"/>
+              </a:rPr>
+              <a:t>가지치기</a:t>
+            </a:r>
+            <a:r>
+              <a:rPr lang="en-US" altLang="ko-KR" sz="1600" dirty="0">
+                <a:ln>
+                  <a:solidFill>
+                    <a:srgbClr val="4F81BD">
+                      <a:alpha val="0"/>
+                    </a:srgbClr>
+                  </a:solidFill>
+                </a:ln>
+                <a:solidFill>
+                  <a:schemeClr val="bg1"/>
+                </a:solidFill>
+                <a:latin typeface="맑은 고딕" panose="020B0503020000020004" pitchFamily="50" charset="-127"/>
+                <a:ea typeface="맑은 고딕" panose="020B0503020000020004" pitchFamily="50" charset="-127"/>
+              </a:rPr>
+              <a:t>, </a:t>
+            </a:r>
+            <a:r>
+              <a:rPr lang="ko-KR" altLang="en-US" sz="1600" dirty="0">
+                <a:ln>
+                  <a:solidFill>
+                    <a:srgbClr val="4F81BD">
+                      <a:alpha val="0"/>
+                    </a:srgbClr>
+                  </a:solidFill>
+                </a:ln>
+                <a:solidFill>
+                  <a:schemeClr val="bg1"/>
+                </a:solidFill>
+                <a:latin typeface="맑은 고딕" panose="020B0503020000020004" pitchFamily="50" charset="-127"/>
+                <a:ea typeface="맑은 고딕" panose="020B0503020000020004" pitchFamily="50" charset="-127"/>
+              </a:rPr>
+              <a:t>최소 불순도 감소</a:t>
+            </a:r>
+            <a:r>
+              <a:rPr lang="en-US" altLang="ko-KR" sz="1600" dirty="0">
+                <a:ln>
+                  <a:solidFill>
+                    <a:srgbClr val="4F81BD">
+                      <a:alpha val="0"/>
+                    </a:srgbClr>
+                  </a:solidFill>
+                </a:ln>
+                <a:solidFill>
+                  <a:schemeClr val="bg1"/>
+                </a:solidFill>
+                <a:latin typeface="맑은 고딕" panose="020B0503020000020004" pitchFamily="50" charset="-127"/>
+                <a:ea typeface="맑은 고딕" panose="020B0503020000020004" pitchFamily="50" charset="-127"/>
+              </a:rPr>
+              <a:t>(impurity decrease)=0.002 </a:t>
+            </a:r>
+            <a:r>
+              <a:rPr lang="ko-KR" altLang="en-US" sz="1600" dirty="0">
+                <a:ln>
+                  <a:solidFill>
+                    <a:srgbClr val="4F81BD">
+                      <a:alpha val="0"/>
+                    </a:srgbClr>
+                  </a:solidFill>
+                </a:ln>
+                <a:solidFill>
+                  <a:schemeClr val="bg1"/>
+                </a:solidFill>
+                <a:latin typeface="맑은 고딕" panose="020B0503020000020004" pitchFamily="50" charset="-127"/>
+                <a:ea typeface="맑은 고딕" panose="020B0503020000020004" pitchFamily="50" charset="-127"/>
+              </a:rPr>
+              <a:t>수준</a:t>
+            </a:r>
+            <a:endParaRPr lang="ko-KR" altLang="en-US" sz="1600" b="1" dirty="0">
+              <a:solidFill>
+                <a:schemeClr val="bg1"/>
+              </a:solidFill>
+              <a:latin typeface="맑은 고딕" panose="020B0503020000020004" pitchFamily="50" charset="-127"/>
+              <a:ea typeface="맑은 고딕" panose="020B0503020000020004" pitchFamily="50" charset="-127"/>
+            </a:endParaRPr>
+          </a:p>
+        </p:txBody>
+      </p:sp>
+      <p:pic>
+        <p:nvPicPr>
+          <p:cNvPr id="6" name="그림 5">
+            <a:extLst>
+              <a:ext uri="{FF2B5EF4-FFF2-40B4-BE49-F238E27FC236}">
+                <a16:creationId xmlns:a16="http://schemas.microsoft.com/office/drawing/2014/main" id="{45DEF3CF-D433-2257-ED4F-A6E05282707F}"/>
+              </a:ext>
+            </a:extLst>
+          </p:cNvPr>
+          <p:cNvPicPr>
+            <a:picLocks noChangeAspect="1"/>
+          </p:cNvPicPr>
+          <p:nvPr/>
+        </p:nvPicPr>
+        <p:blipFill>
+          <a:blip r:embed="rId2"/>
+          <a:stretch>
+            <a:fillRect/>
+          </a:stretch>
+        </p:blipFill>
+        <p:spPr>
+          <a:xfrm>
+            <a:off x="468000" y="1448978"/>
+            <a:ext cx="4860054" cy="4683539"/>
+          </a:xfrm>
+          <a:prstGeom prst="rect">
+            <a:avLst/>
+          </a:prstGeom>
+        </p:spPr>
+      </p:pic>
+      <p:sp>
+        <p:nvSpPr>
+          <p:cNvPr id="2" name="사각형: 둥근 모서리 1">
+            <a:extLst>
+              <a:ext uri="{FF2B5EF4-FFF2-40B4-BE49-F238E27FC236}">
+                <a16:creationId xmlns:a16="http://schemas.microsoft.com/office/drawing/2014/main" id="{C663B649-2180-D4A3-9DF4-62AD35C14736}"/>
+              </a:ext>
+            </a:extLst>
+          </p:cNvPr>
+          <p:cNvSpPr/>
+          <p:nvPr/>
+        </p:nvSpPr>
+        <p:spPr bwMode="auto">
+          <a:xfrm>
+            <a:off x="5555745" y="4006139"/>
+            <a:ext cx="3091977" cy="999725"/>
+          </a:xfrm>
+          <a:prstGeom prst="roundRect">
+            <a:avLst/>
+          </a:prstGeom>
+          <a:ln>
+            <a:headEnd type="none" w="med" len="med"/>
+            <a:tailEnd type="none" w="med" len="med"/>
+          </a:ln>
+        </p:spPr>
+        <p:style>
+          <a:lnRef idx="2">
+            <a:schemeClr val="accent1"/>
+          </a:lnRef>
+          <a:fillRef idx="1">
+            <a:schemeClr val="lt1"/>
+          </a:fillRef>
+          <a:effectRef idx="0">
+            <a:schemeClr val="accent1"/>
+          </a:effectRef>
+          <a:fontRef idx="minor">
+            <a:schemeClr val="dk1"/>
+          </a:fontRef>
+        </p:style>
+        <p:txBody>
+          <a:bodyPr vert="horz" wrap="none" lIns="91440" tIns="45720" rIns="91440" bIns="45720" numCol="1" rtlCol="0" anchor="ctr" anchorCtr="0" compatLnSpc="1">
+            <a:prstTxWarp prst="textNoShape">
+              <a:avLst/>
+            </a:prstTxWarp>
+          </a:bodyPr>
+          <a:lstStyle/>
+          <a:p>
+            <a:pPr marL="0" marR="0" indent="0" algn="ctr" defTabSz="914400" rtl="0" eaLnBrk="1" fontAlgn="base" latinLnBrk="0" hangingPunct="1">
+              <a:lnSpc>
+                <a:spcPct val="100000"/>
+              </a:lnSpc>
+              <a:spcBef>
+                <a:spcPct val="0"/>
+              </a:spcBef>
+              <a:spcAft>
+                <a:spcPct val="0"/>
+              </a:spcAft>
+              <a:buClrTx/>
+              <a:buSzTx/>
+              <a:buFontTx/>
+              <a:buNone/>
+              <a:tabLst/>
+            </a:pPr>
+            <a:r>
+              <a:rPr lang="ko-KR" altLang="en-US" sz="1400" dirty="0">
+                <a:solidFill>
+                  <a:schemeClr val="tx1"/>
+                </a:solidFill>
+                <a:latin typeface="Arial" charset="0"/>
+              </a:rPr>
+              <a:t>예측정확도 소폭 상승</a:t>
+            </a:r>
+            <a:endParaRPr kumimoji="0" lang="en-US" altLang="ko-KR" sz="1400" b="0" i="0" u="none" strike="noStrike" cap="none" normalizeH="0" baseline="0" dirty="0">
+              <a:ln>
+                <a:noFill/>
+              </a:ln>
+              <a:solidFill>
+                <a:schemeClr val="tx1"/>
+              </a:solidFill>
+              <a:effectLst/>
+              <a:latin typeface="Arial" charset="0"/>
+            </a:endParaRPr>
+          </a:p>
+        </p:txBody>
+      </p:sp>
+      <p:pic>
+        <p:nvPicPr>
+          <p:cNvPr id="7" name="그림 6">
+            <a:extLst>
+              <a:ext uri="{FF2B5EF4-FFF2-40B4-BE49-F238E27FC236}">
+                <a16:creationId xmlns:a16="http://schemas.microsoft.com/office/drawing/2014/main" id="{8038837B-18B1-85B0-3C1B-D6635E2CD2BD}"/>
+              </a:ext>
+            </a:extLst>
+          </p:cNvPr>
+          <p:cNvPicPr>
+            <a:picLocks noChangeAspect="1"/>
+          </p:cNvPicPr>
+          <p:nvPr/>
+        </p:nvPicPr>
+        <p:blipFill>
+          <a:blip r:embed="rId3"/>
+          <a:stretch>
+            <a:fillRect/>
+          </a:stretch>
+        </p:blipFill>
+        <p:spPr>
+          <a:xfrm>
+            <a:off x="5236616" y="2078985"/>
+            <a:ext cx="3473993" cy="1800228"/>
+          </a:xfrm>
+          <a:prstGeom prst="rect">
+            <a:avLst/>
+          </a:prstGeom>
+          <a:ln w="38100" cap="sq">
+            <a:solidFill>
+              <a:srgbClr val="000000"/>
+            </a:solidFill>
+            <a:prstDash val="solid"/>
+            <a:miter lim="800000"/>
+          </a:ln>
+          <a:effectLst>
+            <a:outerShdw blurRad="50800" dist="38100" dir="2700000" algn="tl" rotWithShape="0">
+              <a:srgbClr val="000000">
+                <a:alpha val="43000"/>
+              </a:srgbClr>
+            </a:outerShdw>
+          </a:effectLst>
+        </p:spPr>
+      </p:pic>
+    </p:spTree>
+    <p:extLst>
+      <p:ext uri="{BB962C8B-B14F-4D97-AF65-F5344CB8AC3E}">
+        <p14:creationId xmlns:p14="http://schemas.microsoft.com/office/powerpoint/2010/main" val="815611249"/>
+      </p:ext>
+    </p:extLst>
+  </p:cSld>
+  <p:clrMapOvr>
+    <a:masterClrMapping/>
+  </p:clrMapOvr>
+  <p:transition advTm="159184"/>
+</p:sld>
+</file>
+
+<file path=ppt/slides/slide11.xml><?xml version="1.0" encoding="utf-8"?>
+<p:sld xmlns:a="http://schemas.openxmlformats.org/drawingml/2006/main" xmlns:r="http://schemas.openxmlformats.org/officeDocument/2006/relationships" xmlns:p="http://schemas.openxmlformats.org/presentationml/2006/main">
+  <p:cSld>
+    <p:spTree>
+      <p:nvGrpSpPr>
+        <p:cNvPr id="1" name=""/>
+        <p:cNvGrpSpPr/>
+        <p:nvPr/>
+      </p:nvGrpSpPr>
+      <p:grpSpPr>
+        <a:xfrm>
+          <a:off x="0" y="0"/>
+          <a:ext cx="0" cy="0"/>
+          <a:chOff x="0" y="0"/>
+          <a:chExt cx="0" cy="0"/>
+        </a:xfrm>
+      </p:grpSpPr>
+      <p:sp>
+        <p:nvSpPr>
+          <p:cNvPr id="3" name="사각형: 둥근 모서리 2">
+            <a:extLst>
+              <a:ext uri="{FF2B5EF4-FFF2-40B4-BE49-F238E27FC236}">
+                <a16:creationId xmlns:a16="http://schemas.microsoft.com/office/drawing/2014/main" id="{DCC1A94B-78CF-031B-C9B9-C9BC372A746E}"/>
+              </a:ext>
+            </a:extLst>
+          </p:cNvPr>
+          <p:cNvSpPr/>
+          <p:nvPr/>
+        </p:nvSpPr>
+        <p:spPr bwMode="auto">
+          <a:xfrm>
+            <a:off x="467999" y="998973"/>
+            <a:ext cx="8334047" cy="4950055"/>
+          </a:xfrm>
+          <a:prstGeom prst="roundRect">
+            <a:avLst/>
+          </a:prstGeom>
+          <a:ln>
+            <a:headEnd type="none" w="med" len="med"/>
+            <a:tailEnd type="none" w="med" len="med"/>
+          </a:ln>
+        </p:spPr>
+        <p:style>
+          <a:lnRef idx="2">
+            <a:schemeClr val="accent1"/>
+          </a:lnRef>
+          <a:fillRef idx="1">
+            <a:schemeClr val="lt1"/>
+          </a:fillRef>
+          <a:effectRef idx="0">
+            <a:schemeClr val="accent1"/>
+          </a:effectRef>
+          <a:fontRef idx="minor">
+            <a:schemeClr val="dk1"/>
+          </a:fontRef>
+        </p:style>
+        <p:txBody>
+          <a:bodyPr vert="horz" wrap="none" lIns="91440" tIns="45720" rIns="91440" bIns="45720" numCol="1" rtlCol="0" anchor="t" anchorCtr="0" compatLnSpc="1">
+            <a:prstTxWarp prst="textNoShape">
+              <a:avLst/>
+            </a:prstTxWarp>
+          </a:bodyPr>
+          <a:lstStyle/>
+          <a:p>
+            <a:pPr marL="342900" marR="0" indent="-342900" algn="l" defTabSz="914400" rtl="0" eaLnBrk="1" fontAlgn="base" latinLnBrk="0" hangingPunct="1">
+              <a:lnSpc>
+                <a:spcPct val="100000"/>
+              </a:lnSpc>
+              <a:spcBef>
+                <a:spcPct val="0"/>
+              </a:spcBef>
+              <a:spcAft>
+                <a:spcPct val="0"/>
+              </a:spcAft>
+              <a:buClrTx/>
+              <a:buSzTx/>
+              <a:buFontTx/>
+              <a:buAutoNum type="alphaLcPeriod"/>
+              <a:tabLst/>
+            </a:pPr>
+            <a:r>
+              <a:rPr lang="ko-KR" altLang="en-US" sz="1400" dirty="0">
+                <a:solidFill>
+                  <a:schemeClr val="tx1"/>
+                </a:solidFill>
+                <a:latin typeface="Arial" charset="0"/>
+              </a:rPr>
+              <a:t>분류규칙 </a:t>
+            </a:r>
+            <a:r>
+              <a:rPr lang="en-US" altLang="ko-KR" sz="1400" dirty="0">
+                <a:solidFill>
+                  <a:schemeClr val="tx1"/>
+                </a:solidFill>
+                <a:latin typeface="Arial" charset="0"/>
+              </a:rPr>
+              <a:t>: Class 0-ontime, 1-delayed</a:t>
+            </a:r>
+            <a:br>
+              <a:rPr lang="en-US" altLang="ko-KR" sz="1400" dirty="0">
+                <a:solidFill>
+                  <a:schemeClr val="tx1"/>
+                </a:solidFill>
+                <a:latin typeface="Arial" charset="0"/>
+              </a:rPr>
+            </a:br>
+            <a:r>
+              <a:rPr lang="en-US" altLang="ko-KR" sz="1400" dirty="0">
+                <a:solidFill>
+                  <a:schemeClr val="tx1"/>
+                </a:solidFill>
+                <a:latin typeface="Arial" charset="0"/>
+              </a:rPr>
+              <a:t>Carrier, FL_NUM, CRS_DEP_TIME, TAIL_NUM</a:t>
+            </a:r>
+            <a:r>
+              <a:rPr lang="ko-KR" altLang="en-US" sz="1400" dirty="0">
+                <a:solidFill>
+                  <a:schemeClr val="tx1"/>
+                </a:solidFill>
+                <a:latin typeface="Arial" charset="0"/>
+              </a:rPr>
+              <a:t>에 의해 규칙 만들어짐</a:t>
+            </a:r>
+            <a:br>
+              <a:rPr lang="en-US" altLang="ko-KR" sz="1400" dirty="0">
+                <a:solidFill>
+                  <a:schemeClr val="tx1"/>
+                </a:solidFill>
+                <a:latin typeface="Arial" charset="0"/>
+              </a:rPr>
+            </a:br>
+            <a:endParaRPr lang="en-US" altLang="ko-KR" sz="1400" dirty="0">
+              <a:solidFill>
+                <a:schemeClr val="tx1"/>
+              </a:solidFill>
+              <a:latin typeface="Arial" charset="0"/>
+            </a:endParaRPr>
+          </a:p>
+          <a:p>
+            <a:pPr marL="342900" marR="0" indent="-342900" algn="l" defTabSz="914400" rtl="0" eaLnBrk="1" fontAlgn="base" latinLnBrk="0" hangingPunct="1">
+              <a:lnSpc>
+                <a:spcPct val="100000"/>
+              </a:lnSpc>
+              <a:spcBef>
+                <a:spcPct val="0"/>
+              </a:spcBef>
+              <a:spcAft>
+                <a:spcPct val="0"/>
+              </a:spcAft>
+              <a:buClrTx/>
+              <a:buSzTx/>
+              <a:buFontTx/>
+              <a:buAutoNum type="alphaLcPeriod"/>
+              <a:tabLst/>
+            </a:pPr>
+            <a:r>
+              <a:rPr lang="ko-KR" altLang="en-US" sz="1400" dirty="0">
+                <a:solidFill>
+                  <a:schemeClr val="tx1"/>
+                </a:solidFill>
+                <a:latin typeface="Arial" charset="0"/>
+              </a:rPr>
+              <a:t>최소 불순도 감소 값이 같을 경우  </a:t>
+            </a:r>
+            <a:r>
+              <a:rPr lang="ko-KR" altLang="en-US" sz="1400" dirty="0" err="1">
+                <a:solidFill>
+                  <a:schemeClr val="tx1"/>
+                </a:solidFill>
+                <a:latin typeface="Arial" charset="0"/>
+              </a:rPr>
+              <a:t>알파값을</a:t>
+            </a:r>
+            <a:r>
+              <a:rPr lang="ko-KR" altLang="en-US" sz="1400" dirty="0">
+                <a:solidFill>
+                  <a:schemeClr val="tx1"/>
+                </a:solidFill>
+                <a:latin typeface="Arial" charset="0"/>
+              </a:rPr>
+              <a:t> 이용한 가지치기와 규칙이 동일했음</a:t>
+            </a:r>
+            <a:r>
+              <a:rPr lang="en-US" altLang="ko-KR" sz="1400" dirty="0">
+                <a:solidFill>
+                  <a:schemeClr val="tx1"/>
+                </a:solidFill>
+                <a:latin typeface="Arial" charset="0"/>
+              </a:rPr>
+              <a:t>.</a:t>
+            </a:r>
+            <a:br>
+              <a:rPr lang="en-US" altLang="ko-KR" sz="1400" dirty="0">
+                <a:solidFill>
+                  <a:schemeClr val="tx1"/>
+                </a:solidFill>
+                <a:latin typeface="Arial" charset="0"/>
+              </a:rPr>
+            </a:br>
+            <a:endParaRPr lang="en-US" altLang="ko-KR" sz="1400" dirty="0">
+              <a:solidFill>
+                <a:schemeClr val="tx1"/>
+              </a:solidFill>
+              <a:latin typeface="Arial" charset="0"/>
+            </a:endParaRPr>
+          </a:p>
+          <a:p>
+            <a:pPr marL="342900" marR="0" indent="-342900" algn="l" defTabSz="914400" rtl="0" eaLnBrk="1" fontAlgn="base" latinLnBrk="0" hangingPunct="1">
+              <a:lnSpc>
+                <a:spcPct val="100000"/>
+              </a:lnSpc>
+              <a:spcBef>
+                <a:spcPct val="0"/>
+              </a:spcBef>
+              <a:spcAft>
+                <a:spcPct val="0"/>
+              </a:spcAft>
+              <a:buClrTx/>
+              <a:buSzTx/>
+              <a:buFontTx/>
+              <a:buAutoNum type="alphaLcPeriod"/>
+              <a:tabLst/>
+            </a:pPr>
+            <a:r>
+              <a:rPr lang="en-US" altLang="ko-KR" sz="1400" dirty="0" err="1">
+                <a:solidFill>
+                  <a:schemeClr val="tx1"/>
+                </a:solidFill>
+                <a:latin typeface="Arial" charset="0"/>
+              </a:rPr>
+              <a:t>Origin_DCA</a:t>
+            </a:r>
+            <a:r>
+              <a:rPr lang="en-US" altLang="ko-KR" sz="1400" dirty="0">
+                <a:solidFill>
+                  <a:schemeClr val="tx1"/>
+                </a:solidFill>
+                <a:latin typeface="Arial" charset="0"/>
+              </a:rPr>
+              <a:t>, TAIL_NUM, DAY_WEEK</a:t>
+            </a:r>
+            <a:br>
+              <a:rPr lang="en-US" altLang="ko-KR" sz="1400" dirty="0">
+                <a:solidFill>
+                  <a:schemeClr val="tx1"/>
+                </a:solidFill>
+                <a:latin typeface="Arial" charset="0"/>
+              </a:rPr>
+            </a:br>
+            <a:endParaRPr lang="en-US" altLang="ko-KR" sz="1400" dirty="0">
+              <a:solidFill>
+                <a:schemeClr val="tx1"/>
+              </a:solidFill>
+              <a:latin typeface="Arial" charset="0"/>
+            </a:endParaRPr>
+          </a:p>
+          <a:p>
+            <a:pPr marL="342900" marR="0" indent="-342900" algn="l" defTabSz="914400" rtl="0" eaLnBrk="1" fontAlgn="base" latinLnBrk="0" hangingPunct="1">
+              <a:lnSpc>
+                <a:spcPct val="100000"/>
+              </a:lnSpc>
+              <a:spcBef>
+                <a:spcPct val="0"/>
+              </a:spcBef>
+              <a:spcAft>
+                <a:spcPct val="0"/>
+              </a:spcAft>
+              <a:buClrTx/>
+              <a:buSzTx/>
+              <a:buFontTx/>
+              <a:buAutoNum type="alphaLcPeriod"/>
+              <a:tabLst/>
+            </a:pPr>
+            <a:r>
+              <a:rPr lang="ko-KR" altLang="en-US" sz="1400" dirty="0" err="1">
+                <a:solidFill>
+                  <a:schemeClr val="tx1"/>
+                </a:solidFill>
+                <a:latin typeface="Arial" charset="0"/>
+              </a:rPr>
+              <a:t>결정트리를</a:t>
+            </a:r>
+            <a:r>
+              <a:rPr lang="ko-KR" altLang="en-US" sz="1400" dirty="0">
+                <a:solidFill>
+                  <a:schemeClr val="tx1"/>
+                </a:solidFill>
+                <a:latin typeface="Arial" charset="0"/>
+              </a:rPr>
+              <a:t> 사용하여 예측과 정시출발을 예측하려는 목적을 달성할 수 없다</a:t>
+            </a:r>
+            <a:r>
+              <a:rPr lang="en-US" altLang="ko-KR" sz="1400" dirty="0">
+                <a:solidFill>
+                  <a:schemeClr val="tx1"/>
+                </a:solidFill>
+                <a:latin typeface="Arial" charset="0"/>
+              </a:rPr>
+              <a:t>. </a:t>
+            </a:r>
+          </a:p>
+          <a:p>
+            <a:pPr marR="0" algn="l" defTabSz="914400" rtl="0" eaLnBrk="1" fontAlgn="base" latinLnBrk="0" hangingPunct="1">
+              <a:lnSpc>
+                <a:spcPct val="100000"/>
+              </a:lnSpc>
+              <a:spcBef>
+                <a:spcPct val="0"/>
+              </a:spcBef>
+              <a:spcAft>
+                <a:spcPct val="0"/>
+              </a:spcAft>
+              <a:buClrTx/>
+              <a:buSzTx/>
+              <a:tabLst/>
+            </a:pPr>
+            <a:r>
+              <a:rPr kumimoji="0" lang="en-US" altLang="ko-KR" sz="1400" b="0" i="0" u="none" strike="noStrike" cap="none" normalizeH="0" baseline="0" dirty="0">
+                <a:ln>
+                  <a:noFill/>
+                </a:ln>
+                <a:solidFill>
+                  <a:schemeClr val="tx1"/>
+                </a:solidFill>
+                <a:effectLst/>
+                <a:latin typeface="Arial" charset="0"/>
+              </a:rPr>
+              <a:t> </a:t>
+            </a:r>
+          </a:p>
+        </p:txBody>
+      </p:sp>
+    </p:spTree>
+    <p:extLst>
+      <p:ext uri="{BB962C8B-B14F-4D97-AF65-F5344CB8AC3E}">
+        <p14:creationId xmlns:p14="http://schemas.microsoft.com/office/powerpoint/2010/main" val="1353037557"/>
+      </p:ext>
+    </p:extLst>
+  </p:cSld>
+  <p:clrMapOvr>
+    <a:masterClrMapping/>
+  </p:clrMapOvr>
+  <p:transition/>
+</p:sld>
+</file>
+
+<file path=ppt/slides/slide12.xml><?xml version="1.0" encoding="utf-8"?>
+<p:sld xmlns:a="http://schemas.openxmlformats.org/drawingml/2006/main" xmlns:r="http://schemas.openxmlformats.org/officeDocument/2006/relationships" xmlns:p="http://schemas.openxmlformats.org/presentationml/2006/main">
+  <p:cSld>
+    <p:spTree>
+      <p:nvGrpSpPr>
+        <p:cNvPr id="1" name=""/>
+        <p:cNvGrpSpPr/>
+        <p:nvPr/>
+      </p:nvGrpSpPr>
+      <p:grpSpPr>
+        <a:xfrm>
+          <a:off x="0" y="0"/>
+          <a:ext cx="0" cy="0"/>
+          <a:chOff x="0" y="0"/>
+          <a:chExt cx="0" cy="0"/>
+        </a:xfrm>
+      </p:grpSpPr>
+      <p:sp>
+        <p:nvSpPr>
+          <p:cNvPr id="2" name="TextBox 1">
+            <a:extLst>
+              <a:ext uri="{FF2B5EF4-FFF2-40B4-BE49-F238E27FC236}">
+                <a16:creationId xmlns:a16="http://schemas.microsoft.com/office/drawing/2014/main" id="{F84334FE-E500-0475-9949-81F7A25982DA}"/>
+              </a:ext>
+            </a:extLst>
+          </p:cNvPr>
+          <p:cNvSpPr txBox="1"/>
+          <p:nvPr/>
+        </p:nvSpPr>
+        <p:spPr>
+          <a:xfrm>
+            <a:off x="2861981" y="2921168"/>
+            <a:ext cx="4458273" cy="1015663"/>
+          </a:xfrm>
+          <a:prstGeom prst="rect">
+            <a:avLst/>
+          </a:prstGeom>
+          <a:noFill/>
+        </p:spPr>
+        <p:txBody>
+          <a:bodyPr wrap="none" rtlCol="0">
+            <a:spAutoFit/>
+          </a:bodyPr>
+          <a:lstStyle/>
+          <a:p>
+            <a:r>
+              <a:rPr lang="ko-KR" altLang="en-US" sz="6000" dirty="0">
+                <a:solidFill>
+                  <a:schemeClr val="tx1"/>
+                </a:solidFill>
+              </a:rPr>
+              <a:t>감사합니다</a:t>
+            </a:r>
+            <a:r>
+              <a:rPr lang="en-US" altLang="ko-KR" sz="6000" dirty="0">
+                <a:solidFill>
+                  <a:schemeClr val="tx1"/>
+                </a:solidFill>
+              </a:rPr>
+              <a:t>. </a:t>
+            </a:r>
+            <a:endParaRPr lang="ko-KR" altLang="en-US" sz="6000" dirty="0">
+              <a:solidFill>
+                <a:schemeClr val="tx1"/>
+              </a:solidFill>
+            </a:endParaRPr>
+          </a:p>
+        </p:txBody>
+      </p:sp>
+    </p:spTree>
+    <p:extLst>
+      <p:ext uri="{BB962C8B-B14F-4D97-AF65-F5344CB8AC3E}">
+        <p14:creationId xmlns:p14="http://schemas.microsoft.com/office/powerpoint/2010/main" val="980905475"/>
+      </p:ext>
+    </p:extLst>
+  </p:cSld>
+  <p:clrMapOvr>
+    <a:masterClrMapping/>
+  </p:clrMapOvr>
+  <p:transition/>
 </p:sld>
 </file>
 
@@ -5492,6 +6317,1143 @@
       </p:grpSpPr>
       <p:sp>
         <p:nvSpPr>
+          <p:cNvPr id="2" name="제목 1">
+            <a:extLst>
+              <a:ext uri="{FF2B5EF4-FFF2-40B4-BE49-F238E27FC236}">
+                <a16:creationId xmlns:a16="http://schemas.microsoft.com/office/drawing/2014/main" id="{1CF79379-E080-0485-1D2D-F12189D5525A}"/>
+              </a:ext>
+            </a:extLst>
+          </p:cNvPr>
+          <p:cNvSpPr>
+            <a:spLocks noGrp="1"/>
+          </p:cNvSpPr>
+          <p:nvPr>
+            <p:ph type="title"/>
+          </p:nvPr>
+        </p:nvSpPr>
+        <p:spPr/>
+        <p:txBody>
+          <a:bodyPr/>
+          <a:lstStyle/>
+          <a:p>
+            <a:r>
+              <a:rPr lang="ko-KR" altLang="en-US" sz="1200" dirty="0">
+                <a:ln>
+                  <a:solidFill>
+                    <a:srgbClr val="4F81BD">
+                      <a:alpha val="0"/>
+                    </a:srgbClr>
+                  </a:solidFill>
+                </a:ln>
+              </a:rPr>
+              <a:t>최대 깊이</a:t>
+            </a:r>
+            <a:r>
+              <a:rPr lang="en-US" altLang="ko-KR" sz="1200" dirty="0">
+                <a:ln>
+                  <a:solidFill>
+                    <a:srgbClr val="4F81BD">
+                      <a:alpha val="0"/>
+                    </a:srgbClr>
+                  </a:solidFill>
+                </a:ln>
+              </a:rPr>
+              <a:t>(depth)=8</a:t>
+            </a:r>
+            <a:r>
+              <a:rPr lang="ko-KR" altLang="en-US" sz="1200" dirty="0">
+                <a:ln>
+                  <a:solidFill>
+                    <a:srgbClr val="4F81BD">
+                      <a:alpha val="0"/>
+                    </a:srgbClr>
+                  </a:solidFill>
+                </a:ln>
+              </a:rPr>
+              <a:t>과 최소 불순도 감소</a:t>
+            </a:r>
+            <a:r>
+              <a:rPr lang="en-US" altLang="ko-KR" sz="1200" dirty="0">
+                <a:ln>
+                  <a:solidFill>
+                    <a:srgbClr val="4F81BD">
+                      <a:alpha val="0"/>
+                    </a:srgbClr>
+                  </a:solidFill>
+                </a:ln>
+              </a:rPr>
+              <a:t>(impurity decrease)=0.01 </a:t>
+            </a:r>
+            <a:r>
+              <a:rPr lang="ko-KR" altLang="en-US" sz="1200" dirty="0">
+                <a:ln>
+                  <a:solidFill>
+                    <a:srgbClr val="4F81BD">
+                      <a:alpha val="0"/>
+                    </a:srgbClr>
+                  </a:solidFill>
+                </a:ln>
+              </a:rPr>
+              <a:t>수준 나무모델</a:t>
+            </a:r>
+            <a:endParaRPr lang="ko-KR" altLang="en-US" sz="1200" dirty="0"/>
+          </a:p>
+        </p:txBody>
+      </p:sp>
+      <p:sp>
+        <p:nvSpPr>
+          <p:cNvPr id="19" name="TextBox 18">
+            <a:extLst>
+              <a:ext uri="{FF2B5EF4-FFF2-40B4-BE49-F238E27FC236}">
+                <a16:creationId xmlns:a16="http://schemas.microsoft.com/office/drawing/2014/main" id="{592F4A62-793E-9544-8192-4CAC9B6C64A5}"/>
+              </a:ext>
+            </a:extLst>
+          </p:cNvPr>
+          <p:cNvSpPr txBox="1"/>
+          <p:nvPr/>
+        </p:nvSpPr>
+        <p:spPr>
+          <a:xfrm>
+            <a:off x="971960" y="961199"/>
+            <a:ext cx="4440639" cy="307777"/>
+          </a:xfrm>
+          <a:prstGeom prst="rect">
+            <a:avLst/>
+          </a:prstGeom>
+          <a:noFill/>
+        </p:spPr>
+        <p:txBody>
+          <a:bodyPr wrap="none" rtlCol="0">
+            <a:spAutoFit/>
+          </a:bodyPr>
+          <a:lstStyle/>
+          <a:p>
+            <a:r>
+              <a:rPr lang="ko-KR" altLang="en-US" sz="1400" dirty="0">
+                <a:solidFill>
+                  <a:schemeClr val="tx1"/>
+                </a:solidFill>
+              </a:rPr>
+              <a:t>나무모델 생성 </a:t>
+            </a:r>
+            <a:r>
+              <a:rPr lang="en-US" altLang="ko-KR" sz="1400" dirty="0">
+                <a:solidFill>
+                  <a:schemeClr val="tx1"/>
+                </a:solidFill>
+              </a:rPr>
+              <a:t>: </a:t>
+            </a:r>
+            <a:r>
+              <a:rPr lang="ko-KR" altLang="en-US" sz="1400" dirty="0">
+                <a:solidFill>
+                  <a:schemeClr val="tx1"/>
+                </a:solidFill>
+              </a:rPr>
+              <a:t>불필요 </a:t>
+            </a:r>
+            <a:r>
+              <a:rPr lang="en-US" altLang="ko-KR" sz="1400" dirty="0">
+                <a:solidFill>
+                  <a:schemeClr val="tx1"/>
+                </a:solidFill>
+              </a:rPr>
+              <a:t>Columns </a:t>
+            </a:r>
+            <a:r>
+              <a:rPr lang="ko-KR" altLang="en-US" sz="1400" dirty="0">
+                <a:solidFill>
+                  <a:schemeClr val="tx1"/>
+                </a:solidFill>
+              </a:rPr>
+              <a:t>삭제</a:t>
+            </a:r>
+            <a:r>
+              <a:rPr lang="en-US" altLang="ko-KR" sz="1400" dirty="0">
+                <a:solidFill>
+                  <a:schemeClr val="tx1"/>
+                </a:solidFill>
+              </a:rPr>
+              <a:t>, </a:t>
+            </a:r>
+            <a:r>
+              <a:rPr lang="ko-KR" altLang="en-US" sz="1400" dirty="0">
+                <a:solidFill>
+                  <a:schemeClr val="tx1"/>
+                </a:solidFill>
+              </a:rPr>
+              <a:t>범주형 변환 등</a:t>
+            </a:r>
+          </a:p>
+        </p:txBody>
+      </p:sp>
+      <p:pic>
+        <p:nvPicPr>
+          <p:cNvPr id="27" name="그림 26">
+            <a:extLst>
+              <a:ext uri="{FF2B5EF4-FFF2-40B4-BE49-F238E27FC236}">
+                <a16:creationId xmlns:a16="http://schemas.microsoft.com/office/drawing/2014/main" id="{B701AE74-D1B9-B74A-B295-13CAD69109E7}"/>
+              </a:ext>
+            </a:extLst>
+          </p:cNvPr>
+          <p:cNvPicPr>
+            <a:picLocks noChangeAspect="1"/>
+          </p:cNvPicPr>
+          <p:nvPr/>
+        </p:nvPicPr>
+        <p:blipFill>
+          <a:blip r:embed="rId2"/>
+          <a:stretch>
+            <a:fillRect/>
+          </a:stretch>
+        </p:blipFill>
+        <p:spPr>
+          <a:xfrm>
+            <a:off x="611956" y="1268976"/>
+            <a:ext cx="7195249" cy="4851212"/>
+          </a:xfrm>
+          <a:prstGeom prst="rect">
+            <a:avLst/>
+          </a:prstGeom>
+        </p:spPr>
+      </p:pic>
+    </p:spTree>
+    <p:extLst>
+      <p:ext uri="{BB962C8B-B14F-4D97-AF65-F5344CB8AC3E}">
+        <p14:creationId xmlns:p14="http://schemas.microsoft.com/office/powerpoint/2010/main" val="3440404050"/>
+      </p:ext>
+    </p:extLst>
+  </p:cSld>
+  <p:clrMapOvr>
+    <a:masterClrMapping/>
+  </p:clrMapOvr>
+  <p:transition/>
+</p:sld>
+</file>
+
+<file path=ppt/slides/slide4.xml><?xml version="1.0" encoding="utf-8"?>
+<p:sld xmlns:a="http://schemas.openxmlformats.org/drawingml/2006/main" xmlns:r="http://schemas.openxmlformats.org/officeDocument/2006/relationships" xmlns:p="http://schemas.openxmlformats.org/presentationml/2006/main">
+  <p:cSld>
+    <p:spTree>
+      <p:nvGrpSpPr>
+        <p:cNvPr id="1" name=""/>
+        <p:cNvGrpSpPr/>
+        <p:nvPr/>
+      </p:nvGrpSpPr>
+      <p:grpSpPr>
+        <a:xfrm>
+          <a:off x="0" y="0"/>
+          <a:ext cx="0" cy="0"/>
+          <a:chOff x="0" y="0"/>
+          <a:chExt cx="0" cy="0"/>
+        </a:xfrm>
+      </p:grpSpPr>
+      <p:sp>
+        <p:nvSpPr>
+          <p:cNvPr id="2" name="제목 1">
+            <a:extLst>
+              <a:ext uri="{FF2B5EF4-FFF2-40B4-BE49-F238E27FC236}">
+                <a16:creationId xmlns:a16="http://schemas.microsoft.com/office/drawing/2014/main" id="{1CF79379-E080-0485-1D2D-F12189D5525A}"/>
+              </a:ext>
+            </a:extLst>
+          </p:cNvPr>
+          <p:cNvSpPr>
+            <a:spLocks noGrp="1"/>
+          </p:cNvSpPr>
+          <p:nvPr>
+            <p:ph type="title"/>
+          </p:nvPr>
+        </p:nvSpPr>
+        <p:spPr/>
+        <p:txBody>
+          <a:bodyPr/>
+          <a:lstStyle/>
+          <a:p>
+            <a:r>
+              <a:rPr lang="ko-KR" altLang="en-US" sz="1200" dirty="0">
+                <a:ln>
+                  <a:solidFill>
+                    <a:srgbClr val="4F81BD">
+                      <a:alpha val="0"/>
+                    </a:srgbClr>
+                  </a:solidFill>
+                </a:ln>
+              </a:rPr>
+              <a:t>최대 깊이</a:t>
+            </a:r>
+            <a:r>
+              <a:rPr lang="en-US" altLang="ko-KR" sz="1200" dirty="0">
+                <a:ln>
+                  <a:solidFill>
+                    <a:srgbClr val="4F81BD">
+                      <a:alpha val="0"/>
+                    </a:srgbClr>
+                  </a:solidFill>
+                </a:ln>
+              </a:rPr>
+              <a:t>(depth)=8</a:t>
+            </a:r>
+            <a:r>
+              <a:rPr lang="ko-KR" altLang="en-US" sz="1200" dirty="0">
+                <a:ln>
+                  <a:solidFill>
+                    <a:srgbClr val="4F81BD">
+                      <a:alpha val="0"/>
+                    </a:srgbClr>
+                  </a:solidFill>
+                </a:ln>
+              </a:rPr>
+              <a:t>과 최소 불순도 감소</a:t>
+            </a:r>
+            <a:r>
+              <a:rPr lang="en-US" altLang="ko-KR" sz="1200" dirty="0">
+                <a:ln>
+                  <a:solidFill>
+                    <a:srgbClr val="4F81BD">
+                      <a:alpha val="0"/>
+                    </a:srgbClr>
+                  </a:solidFill>
+                </a:ln>
+              </a:rPr>
+              <a:t>(impurity decrease)=0.01 </a:t>
+            </a:r>
+            <a:r>
+              <a:rPr lang="ko-KR" altLang="en-US" sz="1200" dirty="0">
+                <a:ln>
+                  <a:solidFill>
+                    <a:srgbClr val="4F81BD">
+                      <a:alpha val="0"/>
+                    </a:srgbClr>
+                  </a:solidFill>
+                </a:ln>
+              </a:rPr>
+              <a:t>수준 나무모델</a:t>
+            </a:r>
+            <a:endParaRPr lang="ko-KR" altLang="en-US" sz="1200" dirty="0"/>
+          </a:p>
+        </p:txBody>
+      </p:sp>
+      <p:sp>
+        <p:nvSpPr>
+          <p:cNvPr id="19" name="TextBox 18">
+            <a:extLst>
+              <a:ext uri="{FF2B5EF4-FFF2-40B4-BE49-F238E27FC236}">
+                <a16:creationId xmlns:a16="http://schemas.microsoft.com/office/drawing/2014/main" id="{592F4A62-793E-9544-8192-4CAC9B6C64A5}"/>
+              </a:ext>
+            </a:extLst>
+          </p:cNvPr>
+          <p:cNvSpPr txBox="1"/>
+          <p:nvPr/>
+        </p:nvSpPr>
+        <p:spPr>
+          <a:xfrm>
+            <a:off x="937706" y="982879"/>
+            <a:ext cx="1311578" cy="307777"/>
+          </a:xfrm>
+          <a:prstGeom prst="rect">
+            <a:avLst/>
+          </a:prstGeom>
+          <a:noFill/>
+        </p:spPr>
+        <p:txBody>
+          <a:bodyPr wrap="none" rtlCol="0">
+            <a:spAutoFit/>
+          </a:bodyPr>
+          <a:lstStyle/>
+          <a:p>
+            <a:pPr algn="l"/>
+            <a:r>
+              <a:rPr lang="ko-KR" altLang="en-US" sz="1400" dirty="0">
+                <a:solidFill>
+                  <a:schemeClr val="tx1"/>
+                </a:solidFill>
+              </a:rPr>
+              <a:t>나무모델 출력</a:t>
+            </a:r>
+          </a:p>
+        </p:txBody>
+      </p:sp>
+      <p:pic>
+        <p:nvPicPr>
+          <p:cNvPr id="15" name="그림 14">
+            <a:extLst>
+              <a:ext uri="{FF2B5EF4-FFF2-40B4-BE49-F238E27FC236}">
+                <a16:creationId xmlns:a16="http://schemas.microsoft.com/office/drawing/2014/main" id="{D7D81DBF-C3A1-F182-3A27-69EBF9745AFE}"/>
+              </a:ext>
+            </a:extLst>
+          </p:cNvPr>
+          <p:cNvPicPr>
+            <a:picLocks noChangeAspect="1"/>
+          </p:cNvPicPr>
+          <p:nvPr/>
+        </p:nvPicPr>
+        <p:blipFill>
+          <a:blip r:embed="rId2"/>
+          <a:stretch>
+            <a:fillRect/>
+          </a:stretch>
+        </p:blipFill>
+        <p:spPr>
+          <a:xfrm>
+            <a:off x="990100" y="1297700"/>
+            <a:ext cx="5741924" cy="4856202"/>
+          </a:xfrm>
+          <a:prstGeom prst="rect">
+            <a:avLst/>
+          </a:prstGeom>
+        </p:spPr>
+      </p:pic>
+      <p:sp>
+        <p:nvSpPr>
+          <p:cNvPr id="11" name="사각형: 둥근 모서리 10">
+            <a:extLst>
+              <a:ext uri="{FF2B5EF4-FFF2-40B4-BE49-F238E27FC236}">
+                <a16:creationId xmlns:a16="http://schemas.microsoft.com/office/drawing/2014/main" id="{FAE231CB-D38E-F580-CCCF-A36EC9AAE391}"/>
+              </a:ext>
+            </a:extLst>
+          </p:cNvPr>
+          <p:cNvSpPr/>
+          <p:nvPr/>
+        </p:nvSpPr>
+        <p:spPr bwMode="auto">
+          <a:xfrm>
+            <a:off x="3401987" y="4699673"/>
+            <a:ext cx="3420038" cy="1461273"/>
+          </a:xfrm>
+          <a:prstGeom prst="roundRect">
+            <a:avLst/>
+          </a:prstGeom>
+          <a:ln>
+            <a:headEnd type="none" w="med" len="med"/>
+            <a:tailEnd type="none" w="med" len="med"/>
+          </a:ln>
+        </p:spPr>
+        <p:style>
+          <a:lnRef idx="2">
+            <a:schemeClr val="accent1"/>
+          </a:lnRef>
+          <a:fillRef idx="1">
+            <a:schemeClr val="lt1"/>
+          </a:fillRef>
+          <a:effectRef idx="0">
+            <a:schemeClr val="accent1"/>
+          </a:effectRef>
+          <a:fontRef idx="minor">
+            <a:schemeClr val="dk1"/>
+          </a:fontRef>
+        </p:style>
+        <p:txBody>
+          <a:bodyPr vert="horz" wrap="none" lIns="91440" tIns="45720" rIns="91440" bIns="45720" numCol="1" rtlCol="0" anchor="ctr" anchorCtr="0" compatLnSpc="1">
+            <a:prstTxWarp prst="textNoShape">
+              <a:avLst/>
+            </a:prstTxWarp>
+          </a:bodyPr>
+          <a:lstStyle/>
+          <a:p>
+            <a:pPr marL="0" marR="0" indent="0" algn="ctr" defTabSz="914400" rtl="0" eaLnBrk="1" fontAlgn="base" latinLnBrk="0" hangingPunct="1">
+              <a:lnSpc>
+                <a:spcPct val="100000"/>
+              </a:lnSpc>
+              <a:spcBef>
+                <a:spcPct val="0"/>
+              </a:spcBef>
+              <a:spcAft>
+                <a:spcPct val="0"/>
+              </a:spcAft>
+              <a:buClrTx/>
+              <a:buSzTx/>
+              <a:buFontTx/>
+              <a:buNone/>
+              <a:tabLst/>
+            </a:pPr>
+            <a:r>
+              <a:rPr kumimoji="0" lang="ko-KR" altLang="en-US" sz="1400" b="0" i="0" u="none" strike="noStrike" cap="none" normalizeH="0" baseline="0" dirty="0">
+                <a:ln>
+                  <a:noFill/>
+                </a:ln>
+                <a:solidFill>
+                  <a:schemeClr val="tx1"/>
+                </a:solidFill>
+                <a:effectLst/>
+                <a:latin typeface="Arial" charset="0"/>
+              </a:rPr>
+              <a:t>주어진 조건으로 학습된 나무모델</a:t>
+            </a:r>
+            <a:endParaRPr kumimoji="0" lang="en-US" altLang="ko-KR" sz="1400" b="0" i="0" u="none" strike="noStrike" cap="none" normalizeH="0" baseline="0" dirty="0">
+              <a:ln>
+                <a:noFill/>
+              </a:ln>
+              <a:solidFill>
+                <a:schemeClr val="tx1"/>
+              </a:solidFill>
+              <a:effectLst/>
+              <a:latin typeface="Arial" charset="0"/>
+            </a:endParaRPr>
+          </a:p>
+          <a:p>
+            <a:pPr marL="0" marR="0" indent="0" algn="ctr" defTabSz="914400" rtl="0" eaLnBrk="1" fontAlgn="base" latinLnBrk="0" hangingPunct="1">
+              <a:lnSpc>
+                <a:spcPct val="100000"/>
+              </a:lnSpc>
+              <a:spcBef>
+                <a:spcPct val="0"/>
+              </a:spcBef>
+              <a:spcAft>
+                <a:spcPct val="0"/>
+              </a:spcAft>
+              <a:buClrTx/>
+              <a:buSzTx/>
+              <a:buFontTx/>
+              <a:buNone/>
+              <a:tabLst/>
+            </a:pPr>
+            <a:endParaRPr lang="en-US" altLang="ko-KR" sz="1400" dirty="0">
+              <a:solidFill>
+                <a:schemeClr val="tx1"/>
+              </a:solidFill>
+              <a:latin typeface="Arial" charset="0"/>
+            </a:endParaRPr>
+          </a:p>
+          <a:p>
+            <a:pPr marL="0" marR="0" indent="0" algn="ctr" defTabSz="914400" rtl="0" eaLnBrk="1" fontAlgn="base" latinLnBrk="0" hangingPunct="1">
+              <a:lnSpc>
+                <a:spcPct val="100000"/>
+              </a:lnSpc>
+              <a:spcBef>
+                <a:spcPct val="0"/>
+              </a:spcBef>
+              <a:spcAft>
+                <a:spcPct val="0"/>
+              </a:spcAft>
+              <a:buClrTx/>
+              <a:buSzTx/>
+              <a:buFontTx/>
+              <a:buNone/>
+              <a:tabLst/>
+            </a:pPr>
+            <a:r>
+              <a:rPr kumimoji="0" lang="ko-KR" altLang="en-US" sz="1400" b="0" i="0" u="none" strike="noStrike" cap="none" normalizeH="0" baseline="0" dirty="0">
+                <a:ln>
+                  <a:noFill/>
+                </a:ln>
+                <a:solidFill>
+                  <a:schemeClr val="tx1"/>
+                </a:solidFill>
+                <a:effectLst/>
+                <a:latin typeface="Arial" charset="0"/>
+              </a:rPr>
+              <a:t>날씨를 기준으로 연착 여부가 </a:t>
+            </a:r>
+            <a:endParaRPr kumimoji="0" lang="en-US" altLang="ko-KR" sz="1400" b="0" i="0" u="none" strike="noStrike" cap="none" normalizeH="0" baseline="0" dirty="0">
+              <a:ln>
+                <a:noFill/>
+              </a:ln>
+              <a:solidFill>
+                <a:schemeClr val="tx1"/>
+              </a:solidFill>
+              <a:effectLst/>
+              <a:latin typeface="Arial" charset="0"/>
+            </a:endParaRPr>
+          </a:p>
+          <a:p>
+            <a:pPr marL="0" marR="0" indent="0" algn="ctr" defTabSz="914400" rtl="0" eaLnBrk="1" fontAlgn="base" latinLnBrk="0" hangingPunct="1">
+              <a:lnSpc>
+                <a:spcPct val="100000"/>
+              </a:lnSpc>
+              <a:spcBef>
+                <a:spcPct val="0"/>
+              </a:spcBef>
+              <a:spcAft>
+                <a:spcPct val="0"/>
+              </a:spcAft>
+              <a:buClrTx/>
+              <a:buSzTx/>
+              <a:buFontTx/>
+              <a:buNone/>
+              <a:tabLst/>
+            </a:pPr>
+            <a:r>
+              <a:rPr kumimoji="0" lang="ko-KR" altLang="en-US" sz="1400" b="0" i="0" u="none" strike="noStrike" cap="none" normalizeH="0" baseline="0" dirty="0">
+                <a:ln>
+                  <a:noFill/>
+                </a:ln>
+                <a:solidFill>
+                  <a:schemeClr val="tx1"/>
+                </a:solidFill>
+                <a:effectLst/>
+                <a:latin typeface="Arial" charset="0"/>
+              </a:rPr>
+              <a:t>명확히 구별되지만</a:t>
+            </a:r>
+            <a:endParaRPr kumimoji="0" lang="en-US" altLang="ko-KR" sz="1400" b="0" i="0" u="none" strike="noStrike" cap="none" normalizeH="0" baseline="0" dirty="0">
+              <a:ln>
+                <a:noFill/>
+              </a:ln>
+              <a:solidFill>
+                <a:schemeClr val="tx1"/>
+              </a:solidFill>
+              <a:effectLst/>
+              <a:latin typeface="Arial" charset="0"/>
+            </a:endParaRPr>
+          </a:p>
+          <a:p>
+            <a:pPr marL="0" marR="0" indent="0" algn="ctr" defTabSz="914400" rtl="0" eaLnBrk="1" fontAlgn="base" latinLnBrk="0" hangingPunct="1">
+              <a:lnSpc>
+                <a:spcPct val="100000"/>
+              </a:lnSpc>
+              <a:spcBef>
+                <a:spcPct val="0"/>
+              </a:spcBef>
+              <a:spcAft>
+                <a:spcPct val="0"/>
+              </a:spcAft>
+              <a:buClrTx/>
+              <a:buSzTx/>
+              <a:buFontTx/>
+              <a:buNone/>
+              <a:tabLst/>
+            </a:pPr>
+            <a:r>
+              <a:rPr lang="ko-KR" altLang="en-US" sz="1400" dirty="0">
+                <a:solidFill>
+                  <a:schemeClr val="tx1"/>
+                </a:solidFill>
+                <a:latin typeface="Arial" charset="0"/>
+              </a:rPr>
+              <a:t>예측을 위한 모델로는 적합하지 않음</a:t>
+            </a:r>
+            <a:r>
+              <a:rPr lang="en-US" altLang="ko-KR" sz="1400" dirty="0">
+                <a:solidFill>
+                  <a:schemeClr val="tx1"/>
+                </a:solidFill>
+                <a:latin typeface="Arial" charset="0"/>
+              </a:rPr>
+              <a:t>.</a:t>
+            </a:r>
+          </a:p>
+        </p:txBody>
+      </p:sp>
+      <p:pic>
+        <p:nvPicPr>
+          <p:cNvPr id="17" name="그림 16">
+            <a:extLst>
+              <a:ext uri="{FF2B5EF4-FFF2-40B4-BE49-F238E27FC236}">
+                <a16:creationId xmlns:a16="http://schemas.microsoft.com/office/drawing/2014/main" id="{E2A5F25D-5E65-6173-EBFB-925A9F6B7071}"/>
+              </a:ext>
+            </a:extLst>
+          </p:cNvPr>
+          <p:cNvPicPr>
+            <a:picLocks noChangeAspect="1"/>
+          </p:cNvPicPr>
+          <p:nvPr/>
+        </p:nvPicPr>
+        <p:blipFill>
+          <a:blip r:embed="rId3"/>
+          <a:stretch>
+            <a:fillRect/>
+          </a:stretch>
+        </p:blipFill>
+        <p:spPr>
+          <a:xfrm>
+            <a:off x="5112006" y="2438989"/>
+            <a:ext cx="3681427" cy="2172726"/>
+          </a:xfrm>
+          <a:prstGeom prst="rect">
+            <a:avLst/>
+          </a:prstGeom>
+        </p:spPr>
+      </p:pic>
+    </p:spTree>
+    <p:extLst>
+      <p:ext uri="{BB962C8B-B14F-4D97-AF65-F5344CB8AC3E}">
+        <p14:creationId xmlns:p14="http://schemas.microsoft.com/office/powerpoint/2010/main" val="429633149"/>
+      </p:ext>
+    </p:extLst>
+  </p:cSld>
+  <p:clrMapOvr>
+    <a:masterClrMapping/>
+  </p:clrMapOvr>
+  <p:transition/>
+</p:sld>
+</file>
+
+<file path=ppt/slides/slide5.xml><?xml version="1.0" encoding="utf-8"?>
+<p:sld xmlns:a="http://schemas.openxmlformats.org/drawingml/2006/main" xmlns:r="http://schemas.openxmlformats.org/officeDocument/2006/relationships" xmlns:p="http://schemas.openxmlformats.org/presentationml/2006/main">
+  <p:cSld>
+    <p:spTree>
+      <p:nvGrpSpPr>
+        <p:cNvPr id="1" name=""/>
+        <p:cNvGrpSpPr/>
+        <p:nvPr/>
+      </p:nvGrpSpPr>
+      <p:grpSpPr>
+        <a:xfrm>
+          <a:off x="0" y="0"/>
+          <a:ext cx="0" cy="0"/>
+          <a:chOff x="0" y="0"/>
+          <a:chExt cx="0" cy="0"/>
+        </a:xfrm>
+      </p:grpSpPr>
+      <p:pic>
+        <p:nvPicPr>
+          <p:cNvPr id="4" name="그림 3">
+            <a:extLst>
+              <a:ext uri="{FF2B5EF4-FFF2-40B4-BE49-F238E27FC236}">
+                <a16:creationId xmlns:a16="http://schemas.microsoft.com/office/drawing/2014/main" id="{3B81FDAC-F484-9B79-6AB5-76D139C0FACA}"/>
+              </a:ext>
+            </a:extLst>
+          </p:cNvPr>
+          <p:cNvPicPr>
+            <a:picLocks noChangeAspect="1"/>
+          </p:cNvPicPr>
+          <p:nvPr/>
+        </p:nvPicPr>
+        <p:blipFill>
+          <a:blip r:embed="rId2"/>
+          <a:stretch>
+            <a:fillRect/>
+          </a:stretch>
+        </p:blipFill>
+        <p:spPr>
+          <a:xfrm>
+            <a:off x="0" y="908972"/>
+            <a:ext cx="9144000" cy="1181025"/>
+          </a:xfrm>
+          <a:prstGeom prst="rect">
+            <a:avLst/>
+          </a:prstGeom>
+        </p:spPr>
+      </p:pic>
+      <p:sp>
+        <p:nvSpPr>
+          <p:cNvPr id="5" name="사각형: 둥근 모서리 4">
+            <a:extLst>
+              <a:ext uri="{FF2B5EF4-FFF2-40B4-BE49-F238E27FC236}">
+                <a16:creationId xmlns:a16="http://schemas.microsoft.com/office/drawing/2014/main" id="{369E81C6-57E9-9F5C-D2A3-D046C77CC53C}"/>
+              </a:ext>
+            </a:extLst>
+          </p:cNvPr>
+          <p:cNvSpPr/>
+          <p:nvPr/>
+        </p:nvSpPr>
+        <p:spPr bwMode="auto">
+          <a:xfrm>
+            <a:off x="971960" y="2473360"/>
+            <a:ext cx="7448070" cy="1495645"/>
+          </a:xfrm>
+          <a:prstGeom prst="roundRect">
+            <a:avLst/>
+          </a:prstGeom>
+          <a:ln>
+            <a:headEnd type="none" w="med" len="med"/>
+            <a:tailEnd type="none" w="med" len="med"/>
+          </a:ln>
+        </p:spPr>
+        <p:style>
+          <a:lnRef idx="2">
+            <a:schemeClr val="accent1"/>
+          </a:lnRef>
+          <a:fillRef idx="1">
+            <a:schemeClr val="lt1"/>
+          </a:fillRef>
+          <a:effectRef idx="0">
+            <a:schemeClr val="accent1"/>
+          </a:effectRef>
+          <a:fontRef idx="minor">
+            <a:schemeClr val="dk1"/>
+          </a:fontRef>
+        </p:style>
+        <p:txBody>
+          <a:bodyPr vert="horz" wrap="none" lIns="91440" tIns="45720" rIns="91440" bIns="45720" numCol="1" rtlCol="0" anchor="ctr" anchorCtr="0" compatLnSpc="1">
+            <a:prstTxWarp prst="textNoShape">
+              <a:avLst/>
+            </a:prstTxWarp>
+          </a:bodyPr>
+          <a:lstStyle/>
+          <a:p>
+            <a:pPr marL="0" marR="0" indent="0" algn="ctr" defTabSz="914400" rtl="0" eaLnBrk="1" fontAlgn="base" latinLnBrk="0" hangingPunct="1">
+              <a:lnSpc>
+                <a:spcPct val="100000"/>
+              </a:lnSpc>
+              <a:spcBef>
+                <a:spcPct val="0"/>
+              </a:spcBef>
+              <a:spcAft>
+                <a:spcPct val="0"/>
+              </a:spcAft>
+              <a:buClrTx/>
+              <a:buSzTx/>
+              <a:buFontTx/>
+              <a:buNone/>
+              <a:tabLst/>
+            </a:pPr>
+            <a:r>
+              <a:rPr lang="ko-KR" altLang="en-US" sz="1400" dirty="0">
+                <a:solidFill>
+                  <a:schemeClr val="tx1"/>
+                </a:solidFill>
+                <a:latin typeface="Arial" charset="0"/>
+              </a:rPr>
+              <a:t>사용할 수 없다</a:t>
+            </a:r>
+            <a:r>
+              <a:rPr lang="en-US" altLang="ko-KR" sz="1400" dirty="0">
+                <a:solidFill>
+                  <a:schemeClr val="tx1"/>
+                </a:solidFill>
+                <a:latin typeface="Arial" charset="0"/>
+              </a:rPr>
+              <a:t>. </a:t>
+            </a:r>
+          </a:p>
+          <a:p>
+            <a:pPr marL="0" marR="0" indent="0" algn="ctr" defTabSz="914400" rtl="0" eaLnBrk="1" fontAlgn="base" latinLnBrk="0" hangingPunct="1">
+              <a:lnSpc>
+                <a:spcPct val="100000"/>
+              </a:lnSpc>
+              <a:spcBef>
+                <a:spcPct val="0"/>
+              </a:spcBef>
+              <a:spcAft>
+                <a:spcPct val="0"/>
+              </a:spcAft>
+              <a:buClrTx/>
+              <a:buSzTx/>
+              <a:buFontTx/>
+              <a:buNone/>
+              <a:tabLst/>
+            </a:pPr>
+            <a:r>
+              <a:rPr lang="ko-KR" altLang="en-US" sz="1400" dirty="0">
+                <a:solidFill>
+                  <a:schemeClr val="tx1"/>
+                </a:solidFill>
+                <a:latin typeface="Arial" charset="0"/>
+              </a:rPr>
+              <a:t>월요일 오전</a:t>
+            </a:r>
+            <a:r>
+              <a:rPr lang="en-US" altLang="ko-KR" sz="1400" dirty="0">
+                <a:solidFill>
+                  <a:schemeClr val="tx1"/>
+                </a:solidFill>
+                <a:latin typeface="Arial" charset="0"/>
+              </a:rPr>
+              <a:t>7</a:t>
+            </a:r>
+            <a:r>
+              <a:rPr lang="ko-KR" altLang="en-US" sz="1400" dirty="0">
+                <a:solidFill>
+                  <a:schemeClr val="tx1"/>
+                </a:solidFill>
+                <a:latin typeface="Arial" charset="0"/>
+              </a:rPr>
+              <a:t>시 날씨에 대한 정보가 없어서 예측할 수 없다</a:t>
+            </a:r>
+            <a:r>
+              <a:rPr lang="en-US" altLang="ko-KR" sz="1400" dirty="0">
+                <a:solidFill>
+                  <a:schemeClr val="tx1"/>
+                </a:solidFill>
+                <a:latin typeface="Arial" charset="0"/>
+              </a:rPr>
+              <a:t>.</a:t>
+            </a:r>
+          </a:p>
+          <a:p>
+            <a:pPr marL="0" marR="0" indent="0" algn="ctr" defTabSz="914400" rtl="0" eaLnBrk="1" fontAlgn="base" latinLnBrk="0" hangingPunct="1">
+              <a:lnSpc>
+                <a:spcPct val="100000"/>
+              </a:lnSpc>
+              <a:spcBef>
+                <a:spcPct val="0"/>
+              </a:spcBef>
+              <a:spcAft>
+                <a:spcPct val="0"/>
+              </a:spcAft>
+              <a:buClrTx/>
+              <a:buSzTx/>
+              <a:buFontTx/>
+              <a:buNone/>
+              <a:tabLst/>
+            </a:pPr>
+            <a:r>
+              <a:rPr lang="ko-KR" altLang="en-US" sz="1400" dirty="0">
+                <a:solidFill>
+                  <a:schemeClr val="tx1"/>
+                </a:solidFill>
+                <a:latin typeface="Arial" charset="0"/>
+              </a:rPr>
+              <a:t>또한 규칙이 날씨로만 구분되어 있기 때문에 날씨를 알아도 사용할  수 없다</a:t>
+            </a:r>
+            <a:r>
+              <a:rPr lang="en-US" altLang="ko-KR" sz="1400" dirty="0">
+                <a:solidFill>
+                  <a:schemeClr val="tx1"/>
+                </a:solidFill>
+                <a:latin typeface="Arial" charset="0"/>
+              </a:rPr>
+              <a:t>.</a:t>
+            </a:r>
+          </a:p>
+          <a:p>
+            <a:pPr marL="0" marR="0" indent="0" algn="ctr" defTabSz="914400" rtl="0" eaLnBrk="1" fontAlgn="base" latinLnBrk="0" hangingPunct="1">
+              <a:lnSpc>
+                <a:spcPct val="100000"/>
+              </a:lnSpc>
+              <a:spcBef>
+                <a:spcPct val="0"/>
+              </a:spcBef>
+              <a:spcAft>
+                <a:spcPct val="0"/>
+              </a:spcAft>
+              <a:buClrTx/>
+              <a:buSzTx/>
+              <a:buFontTx/>
+              <a:buNone/>
+              <a:tabLst/>
+            </a:pPr>
+            <a:endParaRPr kumimoji="0" lang="en-US" altLang="ko-KR" sz="1400" b="0" i="0" u="none" strike="noStrike" cap="none" normalizeH="0" baseline="0" dirty="0">
+              <a:ln>
+                <a:noFill/>
+              </a:ln>
+              <a:solidFill>
+                <a:schemeClr val="tx1"/>
+              </a:solidFill>
+              <a:effectLst/>
+              <a:latin typeface="Arial" charset="0"/>
+            </a:endParaRPr>
+          </a:p>
+          <a:p>
+            <a:pPr marL="0" marR="0" indent="0" algn="ctr" defTabSz="914400" rtl="0" eaLnBrk="1" fontAlgn="base" latinLnBrk="0" hangingPunct="1">
+              <a:lnSpc>
+                <a:spcPct val="100000"/>
+              </a:lnSpc>
+              <a:spcBef>
+                <a:spcPct val="0"/>
+              </a:spcBef>
+              <a:spcAft>
+                <a:spcPct val="0"/>
+              </a:spcAft>
+              <a:buClrTx/>
+              <a:buSzTx/>
+              <a:buFontTx/>
+              <a:buNone/>
+              <a:tabLst/>
+            </a:pPr>
+            <a:r>
+              <a:rPr lang="ko-KR" altLang="en-US" sz="1400" dirty="0">
+                <a:solidFill>
+                  <a:schemeClr val="tx1"/>
+                </a:solidFill>
+                <a:latin typeface="Arial" charset="0"/>
+              </a:rPr>
+              <a:t>중복된 정보는 </a:t>
+            </a:r>
+            <a:r>
+              <a:rPr lang="en-US" altLang="ko-KR" sz="1400" dirty="0">
+                <a:solidFill>
+                  <a:schemeClr val="tx1"/>
+                </a:solidFill>
+                <a:latin typeface="Arial" charset="0"/>
+              </a:rPr>
+              <a:t>Flight Date</a:t>
+            </a:r>
+            <a:r>
+              <a:rPr lang="ko-KR" altLang="en-US" sz="1400" dirty="0">
+                <a:solidFill>
+                  <a:schemeClr val="tx1"/>
+                </a:solidFill>
+                <a:latin typeface="Arial" charset="0"/>
+              </a:rPr>
+              <a:t>와 </a:t>
+            </a:r>
+            <a:r>
+              <a:rPr lang="en-US" altLang="ko-KR" sz="1400" dirty="0">
+                <a:solidFill>
+                  <a:schemeClr val="tx1"/>
+                </a:solidFill>
+                <a:latin typeface="Arial" charset="0"/>
+              </a:rPr>
+              <a:t>DAY WEEK, DAY OF MONTH</a:t>
+            </a:r>
+            <a:r>
+              <a:rPr lang="ko-KR" altLang="en-US" sz="1400" dirty="0">
+                <a:solidFill>
+                  <a:schemeClr val="tx1"/>
+                </a:solidFill>
+                <a:latin typeface="Arial" charset="0"/>
+              </a:rPr>
+              <a:t> 이다</a:t>
+            </a:r>
+            <a:r>
+              <a:rPr lang="en-US" altLang="ko-KR" sz="1400" dirty="0">
+                <a:solidFill>
+                  <a:schemeClr val="tx1"/>
+                </a:solidFill>
+                <a:latin typeface="Arial" charset="0"/>
+              </a:rPr>
+              <a:t>. </a:t>
+            </a:r>
+          </a:p>
+          <a:p>
+            <a:pPr marL="0" marR="0" indent="0" algn="ctr" defTabSz="914400" rtl="0" eaLnBrk="1" fontAlgn="base" latinLnBrk="0" hangingPunct="1">
+              <a:lnSpc>
+                <a:spcPct val="100000"/>
+              </a:lnSpc>
+              <a:spcBef>
+                <a:spcPct val="0"/>
+              </a:spcBef>
+              <a:spcAft>
+                <a:spcPct val="0"/>
+              </a:spcAft>
+              <a:buClrTx/>
+              <a:buSzTx/>
+              <a:buFontTx/>
+              <a:buNone/>
+              <a:tabLst/>
+            </a:pPr>
+            <a:r>
+              <a:rPr kumimoji="0" lang="en-US" altLang="ko-KR" sz="1400" b="0" i="0" u="none" strike="noStrike" cap="none" normalizeH="0" baseline="0" dirty="0">
+                <a:ln>
+                  <a:noFill/>
+                </a:ln>
+                <a:solidFill>
+                  <a:schemeClr val="tx1"/>
+                </a:solidFill>
+                <a:effectLst/>
+                <a:latin typeface="Arial" charset="0"/>
+              </a:rPr>
+              <a:t>FL_NU</a:t>
+            </a:r>
+            <a:r>
+              <a:rPr lang="en-US" altLang="ko-KR" sz="1400" dirty="0">
+                <a:solidFill>
+                  <a:schemeClr val="tx1"/>
+                </a:solidFill>
+                <a:latin typeface="Arial" charset="0"/>
+              </a:rPr>
+              <a:t>M</a:t>
+            </a:r>
+            <a:r>
+              <a:rPr lang="ko-KR" altLang="en-US" sz="1400" dirty="0">
+                <a:solidFill>
+                  <a:schemeClr val="tx1"/>
+                </a:solidFill>
+                <a:latin typeface="Arial" charset="0"/>
+              </a:rPr>
+              <a:t> 와 </a:t>
+            </a:r>
+            <a:r>
+              <a:rPr lang="en-US" altLang="ko-KR" sz="1400" dirty="0">
+                <a:solidFill>
+                  <a:schemeClr val="tx1"/>
+                </a:solidFill>
+                <a:latin typeface="Arial" charset="0"/>
+              </a:rPr>
+              <a:t>TAIL_NUM</a:t>
+            </a:r>
+            <a:r>
+              <a:rPr lang="ko-KR" altLang="en-US" sz="1400" dirty="0">
+                <a:solidFill>
+                  <a:schemeClr val="tx1"/>
+                </a:solidFill>
+                <a:latin typeface="Arial" charset="0"/>
+              </a:rPr>
+              <a:t>는</a:t>
+            </a:r>
+            <a:r>
+              <a:rPr lang="en-US" altLang="ko-KR" sz="1400" dirty="0">
+                <a:solidFill>
+                  <a:schemeClr val="tx1"/>
+                </a:solidFill>
+                <a:latin typeface="Arial" charset="0"/>
+              </a:rPr>
+              <a:t> </a:t>
+            </a:r>
+            <a:r>
+              <a:rPr lang="ko-KR" altLang="en-US" sz="1400" dirty="0">
+                <a:solidFill>
+                  <a:schemeClr val="tx1"/>
+                </a:solidFill>
+                <a:latin typeface="Arial" charset="0"/>
+              </a:rPr>
+              <a:t>항상 중복된 정보는 아니지만</a:t>
+            </a:r>
+            <a:r>
+              <a:rPr lang="en-US" altLang="ko-KR" sz="1400" dirty="0">
+                <a:solidFill>
+                  <a:schemeClr val="tx1"/>
+                </a:solidFill>
+                <a:latin typeface="Arial" charset="0"/>
+              </a:rPr>
+              <a:t>, </a:t>
+            </a:r>
+            <a:r>
+              <a:rPr lang="ko-KR" altLang="en-US" sz="1400" dirty="0">
+                <a:solidFill>
+                  <a:schemeClr val="tx1"/>
+                </a:solidFill>
+                <a:latin typeface="Arial" charset="0"/>
+              </a:rPr>
+              <a:t>종종 중복된 형태가 있다</a:t>
+            </a:r>
+            <a:r>
+              <a:rPr lang="en-US" altLang="ko-KR" sz="1400" dirty="0">
+                <a:solidFill>
+                  <a:schemeClr val="tx1"/>
+                </a:solidFill>
+                <a:latin typeface="Arial" charset="0"/>
+              </a:rPr>
+              <a:t>. </a:t>
+            </a:r>
+            <a:endParaRPr kumimoji="0" lang="en-US" altLang="ko-KR" sz="1400" b="0" i="0" u="none" strike="noStrike" cap="none" normalizeH="0" baseline="0" dirty="0">
+              <a:ln>
+                <a:noFill/>
+              </a:ln>
+              <a:solidFill>
+                <a:schemeClr val="tx1"/>
+              </a:solidFill>
+              <a:effectLst/>
+              <a:latin typeface="Arial" charset="0"/>
+            </a:endParaRPr>
+          </a:p>
+        </p:txBody>
+      </p:sp>
+    </p:spTree>
+    <p:extLst>
+      <p:ext uri="{BB962C8B-B14F-4D97-AF65-F5344CB8AC3E}">
+        <p14:creationId xmlns:p14="http://schemas.microsoft.com/office/powerpoint/2010/main" val="927869547"/>
+      </p:ext>
+    </p:extLst>
+  </p:cSld>
+  <p:clrMapOvr>
+    <a:masterClrMapping/>
+  </p:clrMapOvr>
+  <p:transition/>
+</p:sld>
+</file>
+
+<file path=ppt/slides/slide6.xml><?xml version="1.0" encoding="utf-8"?>
+<p:sld xmlns:a="http://schemas.openxmlformats.org/drawingml/2006/main" xmlns:r="http://schemas.openxmlformats.org/officeDocument/2006/relationships" xmlns:p="http://schemas.openxmlformats.org/presentationml/2006/main">
+  <p:cSld>
+    <p:spTree>
+      <p:nvGrpSpPr>
+        <p:cNvPr id="1" name=""/>
+        <p:cNvGrpSpPr/>
+        <p:nvPr/>
+      </p:nvGrpSpPr>
+      <p:grpSpPr>
+        <a:xfrm>
+          <a:off x="0" y="0"/>
+          <a:ext cx="0" cy="0"/>
+          <a:chOff x="0" y="0"/>
+          <a:chExt cx="0" cy="0"/>
+        </a:xfrm>
+      </p:grpSpPr>
+      <p:sp>
+        <p:nvSpPr>
           <p:cNvPr id="13" name="제목 1">
             <a:extLst>
               <a:ext uri="{FF2B5EF4-FFF2-40B4-BE49-F238E27FC236}">
@@ -5529,1253 +7491,105 @@
           </a:p>
         </p:txBody>
       </p:sp>
-      <p:grpSp>
-        <p:nvGrpSpPr>
-          <p:cNvPr id="2" name="그룹 1">
+      <p:pic>
+        <p:nvPicPr>
+          <p:cNvPr id="7" name="그림 6">
             <a:extLst>
               <a:ext uri="{FF2B5EF4-FFF2-40B4-BE49-F238E27FC236}">
-                <a16:creationId xmlns:a16="http://schemas.microsoft.com/office/drawing/2014/main" id="{0D666C02-B5E8-CED2-394F-2EA2661D56E0}"/>
+                <a16:creationId xmlns:a16="http://schemas.microsoft.com/office/drawing/2014/main" id="{68296B4C-0CAA-93FE-B6B3-53A044C850CF}"/>
               </a:ext>
             </a:extLst>
           </p:cNvPr>
-          <p:cNvGrpSpPr/>
+          <p:cNvPicPr>
+            <a:picLocks noChangeAspect="1"/>
+          </p:cNvPicPr>
           <p:nvPr/>
-        </p:nvGrpSpPr>
-        <p:grpSpPr>
+        </p:nvPicPr>
+        <p:blipFill rotWithShape="1">
+          <a:blip r:embed="rId2"/>
+          <a:srcRect t="25003"/>
+          <a:stretch/>
+        </p:blipFill>
+        <p:spPr>
           <a:xfrm>
-            <a:off x="400010" y="1421021"/>
-            <a:ext cx="8312035" cy="3717997"/>
-            <a:chOff x="495310" y="4004403"/>
-            <a:chExt cx="2415990" cy="828025"/>
+            <a:off x="251952" y="1088974"/>
+            <a:ext cx="8460094" cy="3239516"/>
           </a:xfrm>
-        </p:grpSpPr>
-        <p:sp>
-          <p:nvSpPr>
-            <p:cNvPr id="3" name="직사각형 2">
-              <a:extLst>
-                <a:ext uri="{FF2B5EF4-FFF2-40B4-BE49-F238E27FC236}">
-                  <a16:creationId xmlns:a16="http://schemas.microsoft.com/office/drawing/2014/main" id="{E053FF5B-9D35-BF6C-EC47-FEC00241F064}"/>
-                </a:ext>
-              </a:extLst>
-            </p:cNvPr>
-            <p:cNvSpPr/>
-            <p:nvPr/>
-          </p:nvSpPr>
-          <p:spPr>
-            <a:xfrm>
-              <a:off x="495310" y="4005350"/>
-              <a:ext cx="2415990" cy="827078"/>
-            </a:xfrm>
-            <a:prstGeom prst="rect">
-              <a:avLst/>
-            </a:prstGeom>
-            <a:solidFill>
-              <a:schemeClr val="bg1"/>
-            </a:solidFill>
-            <a:ln>
-              <a:noFill/>
-            </a:ln>
-            <a:effectLst>
-              <a:outerShdw blurRad="50800" dist="38100" algn="l" rotWithShape="0">
-                <a:prstClr val="black">
-                  <a:alpha val="13000"/>
-                </a:prstClr>
-              </a:outerShdw>
-            </a:effectLst>
-          </p:spPr>
-          <p:style>
-            <a:lnRef idx="2">
-              <a:schemeClr val="accent1">
-                <a:shade val="50000"/>
-              </a:schemeClr>
-            </a:lnRef>
-            <a:fillRef idx="1">
-              <a:schemeClr val="accent1"/>
-            </a:fillRef>
-            <a:effectRef idx="0">
-              <a:schemeClr val="accent1"/>
-            </a:effectRef>
-            <a:fontRef idx="minor">
-              <a:schemeClr val="lt1"/>
-            </a:fontRef>
-          </p:style>
-          <p:txBody>
-            <a:bodyPr rtlCol="0" anchor="t"/>
-            <a:lstStyle/>
-            <a:p>
-              <a:pPr algn="l">
-                <a:spcBef>
-                  <a:spcPts val="600"/>
-                </a:spcBef>
-              </a:pPr>
-              <a:endParaRPr lang="ko-KR" altLang="en-US" dirty="0">
-                <a:latin typeface="Arial" panose="020B0604020202020204" pitchFamily="34" charset="0"/>
-                <a:ea typeface="맑은 고딕" panose="020B0503020000020004" pitchFamily="50" charset="-127"/>
-              </a:endParaRPr>
-            </a:p>
-          </p:txBody>
-        </p:sp>
-        <p:sp>
-          <p:nvSpPr>
-            <p:cNvPr id="4" name="직사각형 3">
-              <a:extLst>
-                <a:ext uri="{FF2B5EF4-FFF2-40B4-BE49-F238E27FC236}">
-                  <a16:creationId xmlns:a16="http://schemas.microsoft.com/office/drawing/2014/main" id="{42B25BC4-5296-EC01-A083-86901726DC7D}"/>
-                </a:ext>
-              </a:extLst>
-            </p:cNvPr>
-            <p:cNvSpPr/>
-            <p:nvPr/>
-          </p:nvSpPr>
-          <p:spPr>
-            <a:xfrm>
-              <a:off x="495310" y="4004403"/>
-              <a:ext cx="2415990" cy="828025"/>
-            </a:xfrm>
-            <a:prstGeom prst="rect">
-              <a:avLst/>
-            </a:prstGeom>
-            <a:solidFill>
-              <a:schemeClr val="bg1">
-                <a:lumMod val="95000"/>
-              </a:schemeClr>
-            </a:solidFill>
-            <a:ln>
-              <a:noFill/>
-            </a:ln>
-          </p:spPr>
-          <p:style>
-            <a:lnRef idx="2">
-              <a:schemeClr val="accent1">
-                <a:shade val="50000"/>
-              </a:schemeClr>
-            </a:lnRef>
-            <a:fillRef idx="1">
-              <a:schemeClr val="accent1"/>
-            </a:fillRef>
-            <a:effectRef idx="0">
-              <a:schemeClr val="accent1"/>
-            </a:effectRef>
-            <a:fontRef idx="minor">
-              <a:schemeClr val="lt1"/>
-            </a:fontRef>
-          </p:style>
-          <p:txBody>
-            <a:bodyPr rtlCol="0" anchor="t"/>
-            <a:lstStyle/>
-            <a:p>
-              <a:pPr marL="342900" indent="-342900" algn="l">
-                <a:lnSpc>
-                  <a:spcPct val="130000"/>
-                </a:lnSpc>
-                <a:spcBef>
-                  <a:spcPts val="600"/>
-                </a:spcBef>
-                <a:spcAft>
-                  <a:spcPts val="0"/>
-                </a:spcAft>
-                <a:buClr>
-                  <a:srgbClr val="4D4D4D"/>
-                </a:buClr>
-                <a:buFont typeface="+mj-lt"/>
-                <a:buAutoNum type="alphaLcPeriod" startAt="2"/>
-                <a:defRPr/>
-              </a:pPr>
-              <a:r>
-                <a:rPr lang="ko-KR" altLang="en-US" sz="1400" dirty="0">
-                  <a:ln>
-                    <a:solidFill>
-                      <a:srgbClr val="4F81BD">
-                        <a:alpha val="0"/>
-                      </a:srgbClr>
-                    </a:solidFill>
-                  </a:ln>
-                  <a:solidFill>
-                    <a:schemeClr val="tx1">
-                      <a:lumMod val="85000"/>
-                      <a:lumOff val="15000"/>
-                    </a:schemeClr>
-                  </a:solidFill>
-                  <a:latin typeface="맑은 고딕" panose="020B0503020000020004" pitchFamily="50" charset="-127"/>
-                  <a:ea typeface="맑은 고딕" panose="020B0503020000020004" pitchFamily="50" charset="-127"/>
-                </a:rPr>
-                <a:t>월요일 오전 </a:t>
-              </a:r>
-              <a:r>
-                <a:rPr lang="en-US" altLang="ko-KR" sz="1400" dirty="0">
-                  <a:ln>
-                    <a:solidFill>
-                      <a:srgbClr val="4F81BD">
-                        <a:alpha val="0"/>
-                      </a:srgbClr>
-                    </a:solidFill>
-                  </a:ln>
-                  <a:solidFill>
-                    <a:schemeClr val="tx1">
-                      <a:lumMod val="85000"/>
-                      <a:lumOff val="15000"/>
-                    </a:schemeClr>
-                  </a:solidFill>
-                  <a:latin typeface="맑은 고딕" panose="020B0503020000020004" pitchFamily="50" charset="-127"/>
-                  <a:ea typeface="맑은 고딕" panose="020B0503020000020004" pitchFamily="50" charset="-127"/>
-                </a:rPr>
-                <a:t>7</a:t>
-              </a:r>
-              <a:r>
-                <a:rPr lang="ko-KR" altLang="en-US" sz="1400" dirty="0">
-                  <a:ln>
-                    <a:solidFill>
-                      <a:srgbClr val="4F81BD">
-                        <a:alpha val="0"/>
-                      </a:srgbClr>
-                    </a:solidFill>
-                  </a:ln>
-                  <a:solidFill>
-                    <a:schemeClr val="tx1">
-                      <a:lumMod val="85000"/>
-                      <a:lumOff val="15000"/>
-                    </a:schemeClr>
-                  </a:solidFill>
-                  <a:latin typeface="맑은 고딕" panose="020B0503020000020004" pitchFamily="50" charset="-127"/>
-                  <a:ea typeface="맑은 고딕" panose="020B0503020000020004" pitchFamily="50" charset="-127"/>
-                </a:rPr>
-                <a:t>시에 </a:t>
-              </a:r>
-              <a:r>
-                <a:rPr lang="en-US" altLang="ko-KR" sz="1400" dirty="0">
-                  <a:ln>
-                    <a:solidFill>
-                      <a:srgbClr val="4F81BD">
-                        <a:alpha val="0"/>
-                      </a:srgbClr>
-                    </a:solidFill>
-                  </a:ln>
-                  <a:solidFill>
-                    <a:schemeClr val="tx1">
-                      <a:lumMod val="85000"/>
-                      <a:lumOff val="15000"/>
-                    </a:schemeClr>
-                  </a:solidFill>
-                  <a:latin typeface="맑은 고딕" panose="020B0503020000020004" pitchFamily="50" charset="-127"/>
-                  <a:ea typeface="맑은 고딕" panose="020B0503020000020004" pitchFamily="50" charset="-127"/>
-                </a:rPr>
-                <a:t>DCA</a:t>
-              </a:r>
-              <a:r>
-                <a:rPr lang="ko-KR" altLang="en-US" sz="1400" dirty="0">
-                  <a:ln>
-                    <a:solidFill>
-                      <a:srgbClr val="4F81BD">
-                        <a:alpha val="0"/>
-                      </a:srgbClr>
-                    </a:solidFill>
-                  </a:ln>
-                  <a:solidFill>
-                    <a:schemeClr val="tx1">
-                      <a:lumMod val="85000"/>
-                      <a:lumOff val="15000"/>
-                    </a:schemeClr>
-                  </a:solidFill>
-                  <a:latin typeface="맑은 고딕" panose="020B0503020000020004" pitchFamily="50" charset="-127"/>
-                  <a:ea typeface="맑은 고딕" panose="020B0503020000020004" pitchFamily="50" charset="-127"/>
-                </a:rPr>
-                <a:t>에서 </a:t>
-              </a:r>
-              <a:r>
-                <a:rPr lang="en-US" altLang="ko-KR" sz="1400" dirty="0">
-                  <a:ln>
-                    <a:solidFill>
-                      <a:srgbClr val="4F81BD">
-                        <a:alpha val="0"/>
-                      </a:srgbClr>
-                    </a:solidFill>
-                  </a:ln>
-                  <a:solidFill>
-                    <a:schemeClr val="tx1">
-                      <a:lumMod val="85000"/>
-                      <a:lumOff val="15000"/>
-                    </a:schemeClr>
-                  </a:solidFill>
-                  <a:latin typeface="맑은 고딕" panose="020B0503020000020004" pitchFamily="50" charset="-127"/>
-                  <a:ea typeface="맑은 고딕" panose="020B0503020000020004" pitchFamily="50" charset="-127"/>
-                </a:rPr>
-                <a:t>EWR</a:t>
-              </a:r>
-              <a:r>
-                <a:rPr lang="ko-KR" altLang="en-US" sz="1400" dirty="0">
-                  <a:ln>
-                    <a:solidFill>
-                      <a:srgbClr val="4F81BD">
-                        <a:alpha val="0"/>
-                      </a:srgbClr>
-                    </a:solidFill>
-                  </a:ln>
-                  <a:solidFill>
-                    <a:schemeClr val="tx1">
-                      <a:lumMod val="85000"/>
-                      <a:lumOff val="15000"/>
-                    </a:schemeClr>
-                  </a:solidFill>
-                  <a:latin typeface="맑은 고딕" panose="020B0503020000020004" pitchFamily="50" charset="-127"/>
-                  <a:ea typeface="맑은 고딕" panose="020B0503020000020004" pitchFamily="50" charset="-127"/>
-                </a:rPr>
-                <a:t>을 비행해야 한다면</a:t>
-              </a:r>
-              <a:r>
-                <a:rPr lang="en-US" altLang="ko-KR" sz="1400" dirty="0">
-                  <a:ln>
-                    <a:solidFill>
-                      <a:srgbClr val="4F81BD">
-                        <a:alpha val="0"/>
-                      </a:srgbClr>
-                    </a:solidFill>
-                  </a:ln>
-                  <a:solidFill>
-                    <a:schemeClr val="tx1">
-                      <a:lumMod val="85000"/>
-                      <a:lumOff val="15000"/>
-                    </a:schemeClr>
-                  </a:solidFill>
-                  <a:latin typeface="맑은 고딕" panose="020B0503020000020004" pitchFamily="50" charset="-127"/>
-                  <a:ea typeface="맑은 고딕" panose="020B0503020000020004" pitchFamily="50" charset="-127"/>
-                </a:rPr>
-                <a:t>, </a:t>
-              </a:r>
-              <a:r>
-                <a:rPr lang="ko-KR" altLang="en-US" sz="1400" dirty="0">
-                  <a:ln>
-                    <a:solidFill>
-                      <a:srgbClr val="4F81BD">
-                        <a:alpha val="0"/>
-                      </a:srgbClr>
-                    </a:solidFill>
-                  </a:ln>
-                  <a:solidFill>
-                    <a:schemeClr val="tx1">
-                      <a:lumMod val="85000"/>
-                      <a:lumOff val="15000"/>
-                    </a:schemeClr>
-                  </a:solidFill>
-                  <a:latin typeface="맑은 고딕" panose="020B0503020000020004" pitchFamily="50" charset="-127"/>
-                  <a:ea typeface="맑은 고딕" panose="020B0503020000020004" pitchFamily="50" charset="-127"/>
-                </a:rPr>
-                <a:t>이 나무모델을 사용할 수 있겠는가</a:t>
-              </a:r>
-              <a:r>
-                <a:rPr lang="en-US" altLang="ko-KR" sz="1400" dirty="0">
-                  <a:ln>
-                    <a:solidFill>
-                      <a:srgbClr val="4F81BD">
-                        <a:alpha val="0"/>
-                      </a:srgbClr>
-                    </a:solidFill>
-                  </a:ln>
-                  <a:solidFill>
-                    <a:schemeClr val="tx1">
-                      <a:lumMod val="85000"/>
-                      <a:lumOff val="15000"/>
-                    </a:schemeClr>
-                  </a:solidFill>
-                  <a:latin typeface="맑은 고딕" panose="020B0503020000020004" pitchFamily="50" charset="-127"/>
-                  <a:ea typeface="맑은 고딕" panose="020B0503020000020004" pitchFamily="50" charset="-127"/>
-                </a:rPr>
-                <a:t>? </a:t>
-              </a:r>
-              <a:r>
-                <a:rPr lang="ko-KR" altLang="en-US" sz="1400" dirty="0">
-                  <a:ln>
-                    <a:solidFill>
-                      <a:srgbClr val="4F81BD">
-                        <a:alpha val="0"/>
-                      </a:srgbClr>
-                    </a:solidFill>
-                  </a:ln>
-                  <a:solidFill>
-                    <a:schemeClr val="tx1">
-                      <a:lumMod val="85000"/>
-                      <a:lumOff val="15000"/>
-                    </a:schemeClr>
-                  </a:solidFill>
-                  <a:latin typeface="맑은 고딕" panose="020B0503020000020004" pitchFamily="50" charset="-127"/>
-                  <a:ea typeface="맑은 고딕" panose="020B0503020000020004" pitchFamily="50" charset="-127"/>
-                </a:rPr>
-                <a:t>필요한 다른 정보는 무엇인가</a:t>
-              </a:r>
-              <a:r>
-                <a:rPr lang="en-US" altLang="ko-KR" sz="1400" dirty="0">
-                  <a:ln>
-                    <a:solidFill>
-                      <a:srgbClr val="4F81BD">
-                        <a:alpha val="0"/>
-                      </a:srgbClr>
-                    </a:solidFill>
-                  </a:ln>
-                  <a:solidFill>
-                    <a:schemeClr val="tx1">
-                      <a:lumMod val="85000"/>
-                      <a:lumOff val="15000"/>
-                    </a:schemeClr>
-                  </a:solidFill>
-                  <a:latin typeface="맑은 고딕" panose="020B0503020000020004" pitchFamily="50" charset="-127"/>
-                  <a:ea typeface="맑은 고딕" panose="020B0503020000020004" pitchFamily="50" charset="-127"/>
-                </a:rPr>
-                <a:t>? </a:t>
-              </a:r>
-              <a:r>
-                <a:rPr lang="ko-KR" altLang="en-US" sz="1400" dirty="0">
-                  <a:ln>
-                    <a:solidFill>
-                      <a:srgbClr val="4F81BD">
-                        <a:alpha val="0"/>
-                      </a:srgbClr>
-                    </a:solidFill>
-                  </a:ln>
-                  <a:solidFill>
-                    <a:schemeClr val="tx1">
-                      <a:lumMod val="85000"/>
-                      <a:lumOff val="15000"/>
-                    </a:schemeClr>
-                  </a:solidFill>
-                  <a:latin typeface="맑은 고딕" panose="020B0503020000020004" pitchFamily="50" charset="-127"/>
-                  <a:ea typeface="맑은 고딕" panose="020B0503020000020004" pitchFamily="50" charset="-127"/>
-                </a:rPr>
-                <a:t>이 모델은 실제로 사용할 수 있는 모델인가</a:t>
-              </a:r>
-              <a:r>
-                <a:rPr lang="en-US" altLang="ko-KR" sz="1400" dirty="0">
-                  <a:ln>
-                    <a:solidFill>
-                      <a:srgbClr val="4F81BD">
-                        <a:alpha val="0"/>
-                      </a:srgbClr>
-                    </a:solidFill>
-                  </a:ln>
-                  <a:solidFill>
-                    <a:schemeClr val="tx1">
-                      <a:lumMod val="85000"/>
-                      <a:lumOff val="15000"/>
-                    </a:schemeClr>
-                  </a:solidFill>
-                  <a:latin typeface="맑은 고딕" panose="020B0503020000020004" pitchFamily="50" charset="-127"/>
-                  <a:ea typeface="맑은 고딕" panose="020B0503020000020004" pitchFamily="50" charset="-127"/>
-                </a:rPr>
-                <a:t>? </a:t>
-              </a:r>
-              <a:r>
-                <a:rPr lang="ko-KR" altLang="en-US" sz="1400" dirty="0">
-                  <a:ln>
-                    <a:solidFill>
-                      <a:srgbClr val="4F81BD">
-                        <a:alpha val="0"/>
-                      </a:srgbClr>
-                    </a:solidFill>
-                  </a:ln>
-                  <a:solidFill>
-                    <a:schemeClr val="tx1">
-                      <a:lumMod val="85000"/>
-                      <a:lumOff val="15000"/>
-                    </a:schemeClr>
-                  </a:solidFill>
-                  <a:latin typeface="맑은 고딕" panose="020B0503020000020004" pitchFamily="50" charset="-127"/>
-                  <a:ea typeface="맑은 고딕" panose="020B0503020000020004" pitchFamily="50" charset="-127"/>
-                </a:rPr>
-                <a:t>중복된 정보는 무엇인가</a:t>
-              </a:r>
-              <a:r>
-                <a:rPr lang="en-US" altLang="ko-KR" sz="1400" dirty="0">
-                  <a:ln>
-                    <a:solidFill>
-                      <a:srgbClr val="4F81BD">
-                        <a:alpha val="0"/>
-                      </a:srgbClr>
-                    </a:solidFill>
-                  </a:ln>
-                  <a:solidFill>
-                    <a:schemeClr val="tx1">
-                      <a:lumMod val="85000"/>
-                      <a:lumOff val="15000"/>
-                    </a:schemeClr>
-                  </a:solidFill>
-                  <a:latin typeface="맑은 고딕" panose="020B0503020000020004" pitchFamily="50" charset="-127"/>
-                  <a:ea typeface="맑은 고딕" panose="020B0503020000020004" pitchFamily="50" charset="-127"/>
-                </a:rPr>
-                <a:t>?</a:t>
-              </a:r>
-              <a:endParaRPr kumimoji="0" lang="ko-KR" altLang="en-US" sz="1400" dirty="0">
-                <a:ln>
-                  <a:solidFill>
-                    <a:srgbClr val="4F81BD">
-                      <a:alpha val="0"/>
-                    </a:srgbClr>
-                  </a:solidFill>
-                </a:ln>
-                <a:solidFill>
-                  <a:schemeClr val="tx1">
-                    <a:lumMod val="85000"/>
-                    <a:lumOff val="15000"/>
-                  </a:schemeClr>
-                </a:solidFill>
-                <a:latin typeface="맑은 고딕" panose="020B0503020000020004" pitchFamily="50" charset="-127"/>
-                <a:ea typeface="맑은 고딕" panose="020B0503020000020004" pitchFamily="50" charset="-127"/>
-              </a:endParaRPr>
-            </a:p>
-            <a:p>
-              <a:pPr marL="342900" marR="0" lvl="0" indent="-342900" algn="l" defTabSz="914400" rtl="0" eaLnBrk="1" fontAlgn="base" latinLnBrk="0" hangingPunct="1">
-                <a:lnSpc>
-                  <a:spcPct val="130000"/>
-                </a:lnSpc>
-                <a:spcBef>
-                  <a:spcPts val="600"/>
-                </a:spcBef>
-                <a:spcAft>
-                  <a:spcPts val="0"/>
-                </a:spcAft>
-                <a:buClr>
-                  <a:srgbClr val="4D4D4D"/>
-                </a:buClr>
-                <a:buSzTx/>
-                <a:buFont typeface="+mj-lt"/>
-                <a:buAutoNum type="alphaLcPeriod" startAt="2"/>
-                <a:tabLst/>
-                <a:defRPr/>
-              </a:pPr>
-              <a:r>
-                <a:rPr lang="en-US" altLang="ko-KR" sz="1400" dirty="0">
-                  <a:ln>
-                    <a:solidFill>
-                      <a:srgbClr val="4F81BD">
-                        <a:alpha val="0"/>
-                      </a:srgbClr>
-                    </a:solidFill>
-                  </a:ln>
-                  <a:solidFill>
-                    <a:schemeClr val="tx1">
-                      <a:lumMod val="85000"/>
-                      <a:lumOff val="15000"/>
-                    </a:schemeClr>
-                  </a:solidFill>
-                  <a:latin typeface="맑은 고딕" panose="020B0503020000020004" pitchFamily="50" charset="-127"/>
-                  <a:ea typeface="맑은 고딕" panose="020B0503020000020004" pitchFamily="50" charset="-127"/>
-                </a:rPr>
-                <a:t>‘</a:t>
-              </a:r>
-              <a:r>
-                <a:rPr lang="ko-KR" altLang="en-US" sz="1400" dirty="0">
-                  <a:ln>
-                    <a:solidFill>
-                      <a:srgbClr val="4F81BD">
-                        <a:alpha val="0"/>
-                      </a:srgbClr>
-                    </a:solidFill>
-                  </a:ln>
-                  <a:solidFill>
-                    <a:schemeClr val="tx1">
-                      <a:lumMod val="85000"/>
-                      <a:lumOff val="15000"/>
-                    </a:schemeClr>
-                  </a:solidFill>
-                  <a:latin typeface="맑은 고딕" panose="020B0503020000020004" pitchFamily="50" charset="-127"/>
-                  <a:ea typeface="맑은 고딕" panose="020B0503020000020004" pitchFamily="50" charset="-127"/>
-                </a:rPr>
-                <a:t>날씨</a:t>
-              </a:r>
-              <a:r>
-                <a:rPr lang="en-US" altLang="ko-KR" sz="1400" dirty="0">
-                  <a:ln>
-                    <a:solidFill>
-                      <a:srgbClr val="4F81BD">
-                        <a:alpha val="0"/>
-                      </a:srgbClr>
-                    </a:solidFill>
-                  </a:ln>
-                  <a:solidFill>
-                    <a:schemeClr val="tx1">
-                      <a:lumMod val="85000"/>
-                      <a:lumOff val="15000"/>
-                    </a:schemeClr>
-                  </a:solidFill>
-                  <a:latin typeface="맑은 고딕" panose="020B0503020000020004" pitchFamily="50" charset="-127"/>
-                  <a:ea typeface="맑은 고딕" panose="020B0503020000020004" pitchFamily="50" charset="-127"/>
-                </a:rPr>
-                <a:t>(weather)’</a:t>
-              </a:r>
-              <a:r>
-                <a:rPr lang="ko-KR" altLang="en-US" sz="1400" dirty="0">
-                  <a:ln>
-                    <a:solidFill>
-                      <a:srgbClr val="4F81BD">
-                        <a:alpha val="0"/>
-                      </a:srgbClr>
-                    </a:solidFill>
-                  </a:ln>
-                  <a:solidFill>
-                    <a:schemeClr val="tx1">
-                      <a:lumMod val="85000"/>
-                      <a:lumOff val="15000"/>
-                    </a:schemeClr>
-                  </a:solidFill>
-                  <a:latin typeface="맑은 고딕" panose="020B0503020000020004" pitchFamily="50" charset="-127"/>
-                  <a:ea typeface="맑은 고딕" panose="020B0503020000020004" pitchFamily="50" charset="-127"/>
-                </a:rPr>
-                <a:t>를 예측변수에서 제외하고 </a:t>
-              </a:r>
-              <a:r>
-                <a:rPr lang="en-US" altLang="ko-KR" sz="1400" dirty="0">
-                  <a:ln>
-                    <a:solidFill>
-                      <a:srgbClr val="4F81BD">
-                        <a:alpha val="0"/>
-                      </a:srgbClr>
-                    </a:solidFill>
-                  </a:ln>
-                  <a:solidFill>
-                    <a:schemeClr val="tx1">
-                      <a:lumMod val="85000"/>
-                      <a:lumOff val="15000"/>
-                    </a:schemeClr>
-                  </a:solidFill>
-                  <a:latin typeface="맑은 고딕" panose="020B0503020000020004" pitchFamily="50" charset="-127"/>
-                  <a:ea typeface="맑은 고딕" panose="020B0503020000020004" pitchFamily="50" charset="-127"/>
-                </a:rPr>
-                <a:t>(a)</a:t>
-              </a:r>
-              <a:r>
-                <a:rPr lang="ko-KR" altLang="en-US" sz="1400" dirty="0">
-                  <a:ln>
-                    <a:solidFill>
-                      <a:srgbClr val="4F81BD">
-                        <a:alpha val="0"/>
-                      </a:srgbClr>
-                    </a:solidFill>
-                  </a:ln>
-                  <a:solidFill>
-                    <a:schemeClr val="tx1">
-                      <a:lumMod val="85000"/>
-                      <a:lumOff val="15000"/>
-                    </a:schemeClr>
-                  </a:solidFill>
-                  <a:latin typeface="맑은 고딕" panose="020B0503020000020004" pitchFamily="50" charset="-127"/>
-                  <a:ea typeface="맑은 고딕" panose="020B0503020000020004" pitchFamily="50" charset="-127"/>
-                </a:rPr>
-                <a:t>와 동일한 분류나무 모델을 하나 더 </a:t>
-              </a:r>
-              <a:r>
-                <a:rPr lang="ko-KR" altLang="en-US" sz="1400" dirty="0" err="1">
-                  <a:ln>
-                    <a:solidFill>
-                      <a:srgbClr val="4F81BD">
-                        <a:alpha val="0"/>
-                      </a:srgbClr>
-                    </a:solidFill>
-                  </a:ln>
-                  <a:solidFill>
-                    <a:schemeClr val="tx1">
-                      <a:lumMod val="85000"/>
-                      <a:lumOff val="15000"/>
-                    </a:schemeClr>
-                  </a:solidFill>
-                  <a:latin typeface="맑은 고딕" panose="020B0503020000020004" pitchFamily="50" charset="-127"/>
-                  <a:ea typeface="맑은 고딕" panose="020B0503020000020004" pitchFamily="50" charset="-127"/>
-                </a:rPr>
-                <a:t>만드시오</a:t>
-              </a:r>
-              <a:r>
-                <a:rPr lang="en-US" altLang="ko-KR" sz="1400" dirty="0">
-                  <a:ln>
-                    <a:solidFill>
-                      <a:srgbClr val="4F81BD">
-                        <a:alpha val="0"/>
-                      </a:srgbClr>
-                    </a:solidFill>
-                  </a:ln>
-                  <a:solidFill>
-                    <a:schemeClr val="tx1">
-                      <a:lumMod val="85000"/>
-                      <a:lumOff val="15000"/>
-                    </a:schemeClr>
-                  </a:solidFill>
-                  <a:latin typeface="맑은 고딕" panose="020B0503020000020004" pitchFamily="50" charset="-127"/>
-                  <a:ea typeface="맑은 고딕" panose="020B0503020000020004" pitchFamily="50" charset="-127"/>
-                </a:rPr>
-                <a:t>. </a:t>
-              </a:r>
-              <a:r>
-                <a:rPr lang="ko-KR" altLang="en-US" sz="1400" dirty="0">
-                  <a:ln>
-                    <a:solidFill>
-                      <a:srgbClr val="4F81BD">
-                        <a:alpha val="0"/>
-                      </a:srgbClr>
-                    </a:solidFill>
-                  </a:ln>
-                  <a:solidFill>
-                    <a:schemeClr val="tx1">
-                      <a:lumMod val="85000"/>
-                      <a:lumOff val="15000"/>
-                    </a:schemeClr>
-                  </a:solidFill>
-                  <a:latin typeface="맑은 고딕" panose="020B0503020000020004" pitchFamily="50" charset="-127"/>
-                  <a:ea typeface="맑은 고딕" panose="020B0503020000020004" pitchFamily="50" charset="-127"/>
-                </a:rPr>
-                <a:t>가지치기 된 나무모델과 가지치기 되지 않은 나무모델을 함께 </a:t>
-              </a:r>
-              <a:r>
-                <a:rPr lang="ko-KR" altLang="en-US" sz="1400" dirty="0" err="1">
-                  <a:ln>
-                    <a:solidFill>
-                      <a:srgbClr val="4F81BD">
-                        <a:alpha val="0"/>
-                      </a:srgbClr>
-                    </a:solidFill>
-                  </a:ln>
-                  <a:solidFill>
-                    <a:schemeClr val="tx1">
-                      <a:lumMod val="85000"/>
-                      <a:lumOff val="15000"/>
-                    </a:schemeClr>
-                  </a:solidFill>
-                  <a:latin typeface="맑은 고딕" panose="020B0503020000020004" pitchFamily="50" charset="-127"/>
-                  <a:ea typeface="맑은 고딕" panose="020B0503020000020004" pitchFamily="50" charset="-127"/>
-                </a:rPr>
-                <a:t>보이시오</a:t>
-              </a:r>
-              <a:r>
-                <a:rPr lang="en-US" altLang="ko-KR" sz="1400" dirty="0">
-                  <a:ln>
-                    <a:solidFill>
-                      <a:srgbClr val="4F81BD">
-                        <a:alpha val="0"/>
-                      </a:srgbClr>
-                    </a:solidFill>
-                  </a:ln>
-                  <a:solidFill>
-                    <a:schemeClr val="tx1">
-                      <a:lumMod val="85000"/>
-                      <a:lumOff val="15000"/>
-                    </a:schemeClr>
-                  </a:solidFill>
-                  <a:latin typeface="맑은 고딕" panose="020B0503020000020004" pitchFamily="50" charset="-127"/>
-                  <a:ea typeface="맑은 고딕" panose="020B0503020000020004" pitchFamily="50" charset="-127"/>
-                </a:rPr>
-                <a:t>. </a:t>
-              </a:r>
-              <a:r>
-                <a:rPr lang="ko-KR" altLang="en-US" sz="1400" dirty="0">
-                  <a:ln>
-                    <a:solidFill>
-                      <a:srgbClr val="4F81BD">
-                        <a:alpha val="0"/>
-                      </a:srgbClr>
-                    </a:solidFill>
-                  </a:ln>
-                  <a:solidFill>
-                    <a:schemeClr val="tx1">
-                      <a:lumMod val="85000"/>
-                      <a:lumOff val="15000"/>
-                    </a:schemeClr>
-                  </a:solidFill>
-                  <a:latin typeface="맑은 고딕" panose="020B0503020000020004" pitchFamily="50" charset="-127"/>
-                  <a:ea typeface="맑은 고딕" panose="020B0503020000020004" pitchFamily="50" charset="-127"/>
-                </a:rPr>
-                <a:t>최적의 가지치기 된 나무모델이 하나의 단말 노드를 갖게 된 것을 </a:t>
-              </a:r>
-              <a:r>
-                <a:rPr lang="ko-KR" altLang="en-US" sz="1400" dirty="0" err="1">
-                  <a:ln>
-                    <a:solidFill>
-                      <a:srgbClr val="4F81BD">
-                        <a:alpha val="0"/>
-                      </a:srgbClr>
-                    </a:solidFill>
-                  </a:ln>
-                  <a:solidFill>
-                    <a:schemeClr val="tx1">
-                      <a:lumMod val="85000"/>
-                      <a:lumOff val="15000"/>
-                    </a:schemeClr>
-                  </a:solidFill>
-                  <a:latin typeface="맑은 고딕" panose="020B0503020000020004" pitchFamily="50" charset="-127"/>
-                  <a:ea typeface="맑은 고딕" panose="020B0503020000020004" pitchFamily="50" charset="-127"/>
-                </a:rPr>
-                <a:t>확인하시오</a:t>
-              </a:r>
-              <a:r>
-                <a:rPr lang="en-US" altLang="ko-KR" sz="1400" dirty="0">
-                  <a:ln>
-                    <a:solidFill>
-                      <a:srgbClr val="4F81BD">
-                        <a:alpha val="0"/>
-                      </a:srgbClr>
-                    </a:solidFill>
-                  </a:ln>
-                  <a:solidFill>
-                    <a:schemeClr val="tx1">
-                      <a:lumMod val="85000"/>
-                      <a:lumOff val="15000"/>
-                    </a:schemeClr>
-                  </a:solidFill>
-                  <a:latin typeface="맑은 고딕" panose="020B0503020000020004" pitchFamily="50" charset="-127"/>
-                  <a:ea typeface="맑은 고딕" panose="020B0503020000020004" pitchFamily="50" charset="-127"/>
-                </a:rPr>
-                <a:t>.</a:t>
-              </a:r>
-            </a:p>
-            <a:p>
-              <a:pPr marL="857250" lvl="1" indent="-400050" algn="l">
-                <a:lnSpc>
-                  <a:spcPct val="130000"/>
-                </a:lnSpc>
-                <a:spcBef>
-                  <a:spcPts val="600"/>
-                </a:spcBef>
-                <a:spcAft>
-                  <a:spcPts val="0"/>
-                </a:spcAft>
-                <a:buClr>
-                  <a:srgbClr val="4D4D4D"/>
-                </a:buClr>
-                <a:buFont typeface="+mj-lt"/>
-                <a:buAutoNum type="romanUcPeriod"/>
-                <a:defRPr/>
-              </a:pPr>
-              <a:r>
-                <a:rPr lang="ko-KR" altLang="en-US" sz="1400" dirty="0">
-                  <a:ln>
-                    <a:solidFill>
-                      <a:srgbClr val="4F81BD">
-                        <a:alpha val="0"/>
-                      </a:srgbClr>
-                    </a:solidFill>
-                  </a:ln>
-                  <a:solidFill>
-                    <a:schemeClr val="tx1">
-                      <a:lumMod val="85000"/>
-                      <a:lumOff val="15000"/>
-                    </a:schemeClr>
-                  </a:solidFill>
-                  <a:latin typeface="맑은 고딕" panose="020B0503020000020004" pitchFamily="50" charset="-127"/>
-                  <a:ea typeface="맑은 고딕" panose="020B0503020000020004" pitchFamily="50" charset="-127"/>
-                </a:rPr>
-                <a:t>가지치기 된 나무모델은 분류를 위하여 어떻게 사용되는가</a:t>
-              </a:r>
-              <a:r>
-                <a:rPr lang="en-US" altLang="ko-KR" sz="1400" dirty="0">
-                  <a:ln>
-                    <a:solidFill>
-                      <a:srgbClr val="4F81BD">
-                        <a:alpha val="0"/>
-                      </a:srgbClr>
-                    </a:solidFill>
-                  </a:ln>
-                  <a:solidFill>
-                    <a:schemeClr val="tx1">
-                      <a:lumMod val="85000"/>
-                      <a:lumOff val="15000"/>
-                    </a:schemeClr>
-                  </a:solidFill>
-                  <a:latin typeface="맑은 고딕" panose="020B0503020000020004" pitchFamily="50" charset="-127"/>
-                  <a:ea typeface="맑은 고딕" panose="020B0503020000020004" pitchFamily="50" charset="-127"/>
-                </a:rPr>
-                <a:t>? (</a:t>
-              </a:r>
-              <a:r>
-                <a:rPr lang="ko-KR" altLang="en-US" sz="1400" dirty="0">
-                  <a:ln>
-                    <a:solidFill>
-                      <a:srgbClr val="4F81BD">
-                        <a:alpha val="0"/>
-                      </a:srgbClr>
-                    </a:solidFill>
-                  </a:ln>
-                  <a:solidFill>
-                    <a:schemeClr val="tx1">
-                      <a:lumMod val="85000"/>
-                      <a:lumOff val="15000"/>
-                    </a:schemeClr>
-                  </a:solidFill>
-                  <a:latin typeface="맑은 고딕" panose="020B0503020000020004" pitchFamily="50" charset="-127"/>
-                  <a:ea typeface="맑은 고딕" panose="020B0503020000020004" pitchFamily="50" charset="-127"/>
-                </a:rPr>
-                <a:t>분류 규칙은 무엇인가</a:t>
-              </a:r>
-              <a:r>
-                <a:rPr lang="en-US" altLang="ko-KR" sz="1400" dirty="0">
-                  <a:ln>
-                    <a:solidFill>
-                      <a:srgbClr val="4F81BD">
-                        <a:alpha val="0"/>
-                      </a:srgbClr>
-                    </a:solidFill>
-                  </a:ln>
-                  <a:solidFill>
-                    <a:schemeClr val="tx1">
-                      <a:lumMod val="85000"/>
-                      <a:lumOff val="15000"/>
-                    </a:schemeClr>
-                  </a:solidFill>
-                  <a:latin typeface="맑은 고딕" panose="020B0503020000020004" pitchFamily="50" charset="-127"/>
-                  <a:ea typeface="맑은 고딕" panose="020B0503020000020004" pitchFamily="50" charset="-127"/>
-                </a:rPr>
-                <a:t>?)</a:t>
-              </a:r>
-            </a:p>
-            <a:p>
-              <a:pPr marL="857250" lvl="1" indent="-400050" algn="l">
-                <a:lnSpc>
-                  <a:spcPct val="130000"/>
-                </a:lnSpc>
-                <a:spcBef>
-                  <a:spcPts val="600"/>
-                </a:spcBef>
-                <a:spcAft>
-                  <a:spcPts val="0"/>
-                </a:spcAft>
-                <a:buClr>
-                  <a:srgbClr val="4D4D4D"/>
-                </a:buClr>
-                <a:buFont typeface="+mj-lt"/>
-                <a:buAutoNum type="romanUcPeriod"/>
-                <a:defRPr/>
-              </a:pPr>
-              <a:r>
-                <a:rPr lang="ko-KR" altLang="en-US" sz="1400" dirty="0">
-                  <a:ln>
-                    <a:solidFill>
-                      <a:srgbClr val="4F81BD">
-                        <a:alpha val="0"/>
-                      </a:srgbClr>
-                    </a:solidFill>
-                  </a:ln>
-                  <a:solidFill>
-                    <a:schemeClr val="tx1">
-                      <a:lumMod val="85000"/>
-                      <a:lumOff val="15000"/>
-                    </a:schemeClr>
-                  </a:solidFill>
-                  <a:latin typeface="맑은 고딕" panose="020B0503020000020004" pitchFamily="50" charset="-127"/>
-                  <a:ea typeface="맑은 고딕" panose="020B0503020000020004" pitchFamily="50" charset="-127"/>
-                </a:rPr>
-                <a:t>이 규칙은 무엇과 동일한가</a:t>
-              </a:r>
-              <a:r>
-                <a:rPr lang="en-US" altLang="ko-KR" sz="1400" dirty="0">
-                  <a:ln>
-                    <a:solidFill>
-                      <a:srgbClr val="4F81BD">
-                        <a:alpha val="0"/>
-                      </a:srgbClr>
-                    </a:solidFill>
-                  </a:ln>
-                  <a:solidFill>
-                    <a:schemeClr val="tx1">
-                      <a:lumMod val="85000"/>
-                      <a:lumOff val="15000"/>
-                    </a:schemeClr>
-                  </a:solidFill>
-                  <a:latin typeface="맑은 고딕" panose="020B0503020000020004" pitchFamily="50" charset="-127"/>
-                  <a:ea typeface="맑은 고딕" panose="020B0503020000020004" pitchFamily="50" charset="-127"/>
-                </a:rPr>
-                <a:t>?</a:t>
-              </a:r>
-            </a:p>
-            <a:p>
-              <a:pPr marL="857250" lvl="1" indent="-400050" algn="l">
-                <a:lnSpc>
-                  <a:spcPct val="130000"/>
-                </a:lnSpc>
-                <a:spcBef>
-                  <a:spcPts val="600"/>
-                </a:spcBef>
-                <a:spcAft>
-                  <a:spcPts val="0"/>
-                </a:spcAft>
-                <a:buClr>
-                  <a:srgbClr val="4D4D4D"/>
-                </a:buClr>
-                <a:buFont typeface="+mj-lt"/>
-                <a:buAutoNum type="romanUcPeriod"/>
-                <a:defRPr/>
-              </a:pPr>
-              <a:r>
-                <a:rPr lang="ko-KR" altLang="en-US" sz="1400" dirty="0">
-                  <a:ln>
-                    <a:solidFill>
-                      <a:srgbClr val="4F81BD">
-                        <a:alpha val="0"/>
-                      </a:srgbClr>
-                    </a:solidFill>
-                  </a:ln>
-                  <a:solidFill>
-                    <a:schemeClr val="tx1">
-                      <a:lumMod val="85000"/>
-                      <a:lumOff val="15000"/>
-                    </a:schemeClr>
-                  </a:solidFill>
-                  <a:latin typeface="맑은 고딕" panose="020B0503020000020004" pitchFamily="50" charset="-127"/>
-                  <a:ea typeface="맑은 고딕" panose="020B0503020000020004" pitchFamily="50" charset="-127"/>
-                </a:rPr>
-                <a:t>가지치기 되지 않은 나무모델을 </a:t>
-              </a:r>
-              <a:r>
-                <a:rPr lang="ko-KR" altLang="en-US" sz="1400" dirty="0" err="1">
-                  <a:ln>
-                    <a:solidFill>
-                      <a:srgbClr val="4F81BD">
-                        <a:alpha val="0"/>
-                      </a:srgbClr>
-                    </a:solidFill>
-                  </a:ln>
-                  <a:solidFill>
-                    <a:schemeClr val="tx1">
-                      <a:lumMod val="85000"/>
-                      <a:lumOff val="15000"/>
-                    </a:schemeClr>
-                  </a:solidFill>
-                  <a:latin typeface="맑은 고딕" panose="020B0503020000020004" pitchFamily="50" charset="-127"/>
-                  <a:ea typeface="맑은 고딕" panose="020B0503020000020004" pitchFamily="50" charset="-127"/>
-                </a:rPr>
-                <a:t>검토하시오</a:t>
-              </a:r>
-              <a:r>
-                <a:rPr lang="en-US" altLang="ko-KR" sz="1400" dirty="0">
-                  <a:ln>
-                    <a:solidFill>
-                      <a:srgbClr val="4F81BD">
-                        <a:alpha val="0"/>
-                      </a:srgbClr>
-                    </a:solidFill>
-                  </a:ln>
-                  <a:solidFill>
-                    <a:schemeClr val="tx1">
-                      <a:lumMod val="85000"/>
-                      <a:lumOff val="15000"/>
-                    </a:schemeClr>
-                  </a:solidFill>
-                  <a:latin typeface="맑은 고딕" panose="020B0503020000020004" pitchFamily="50" charset="-127"/>
-                  <a:ea typeface="맑은 고딕" panose="020B0503020000020004" pitchFamily="50" charset="-127"/>
-                </a:rPr>
-                <a:t>. </a:t>
-              </a:r>
-              <a:r>
-                <a:rPr lang="ko-KR" altLang="en-US" sz="1400" dirty="0">
-                  <a:ln>
-                    <a:solidFill>
-                      <a:srgbClr val="4F81BD">
-                        <a:alpha val="0"/>
-                      </a:srgbClr>
-                    </a:solidFill>
-                  </a:ln>
-                  <a:solidFill>
-                    <a:schemeClr val="tx1">
-                      <a:lumMod val="85000"/>
-                      <a:lumOff val="15000"/>
-                    </a:schemeClr>
-                  </a:solidFill>
-                  <a:latin typeface="맑은 고딕" panose="020B0503020000020004" pitchFamily="50" charset="-127"/>
-                  <a:ea typeface="맑은 고딕" panose="020B0503020000020004" pitchFamily="50" charset="-127"/>
-                </a:rPr>
-                <a:t>이 나무모델에서 가장 좋은 </a:t>
-              </a:r>
-              <a:r>
-                <a:rPr lang="en-US" altLang="ko-KR" sz="1400" dirty="0">
-                  <a:ln>
-                    <a:solidFill>
-                      <a:srgbClr val="4F81BD">
-                        <a:alpha val="0"/>
-                      </a:srgbClr>
-                    </a:solidFill>
-                  </a:ln>
-                  <a:solidFill>
-                    <a:schemeClr val="tx1">
-                      <a:lumMod val="85000"/>
-                      <a:lumOff val="15000"/>
-                    </a:schemeClr>
-                  </a:solidFill>
-                  <a:latin typeface="맑은 고딕" panose="020B0503020000020004" pitchFamily="50" charset="-127"/>
-                  <a:ea typeface="맑은 고딕" panose="020B0503020000020004" pitchFamily="50" charset="-127"/>
-                </a:rPr>
-                <a:t>3</a:t>
-              </a:r>
-              <a:r>
-                <a:rPr lang="ko-KR" altLang="en-US" sz="1400" dirty="0">
-                  <a:ln>
-                    <a:solidFill>
-                      <a:srgbClr val="4F81BD">
-                        <a:alpha val="0"/>
-                      </a:srgbClr>
-                    </a:solidFill>
-                  </a:ln>
-                  <a:solidFill>
-                    <a:schemeClr val="tx1">
-                      <a:lumMod val="85000"/>
-                      <a:lumOff val="15000"/>
-                    </a:schemeClr>
-                  </a:solidFill>
-                  <a:latin typeface="맑은 고딕" panose="020B0503020000020004" pitchFamily="50" charset="-127"/>
-                  <a:ea typeface="맑은 고딕" panose="020B0503020000020004" pitchFamily="50" charset="-127"/>
-                </a:rPr>
-                <a:t>개의 예측변수는 어떠한 것들인가</a:t>
-              </a:r>
-              <a:r>
-                <a:rPr lang="en-US" altLang="ko-KR" sz="1400" dirty="0">
-                  <a:ln>
-                    <a:solidFill>
-                      <a:srgbClr val="4F81BD">
-                        <a:alpha val="0"/>
-                      </a:srgbClr>
-                    </a:solidFill>
-                  </a:ln>
-                  <a:solidFill>
-                    <a:schemeClr val="tx1">
-                      <a:lumMod val="85000"/>
-                      <a:lumOff val="15000"/>
-                    </a:schemeClr>
-                  </a:solidFill>
-                  <a:latin typeface="맑은 고딕" panose="020B0503020000020004" pitchFamily="50" charset="-127"/>
-                  <a:ea typeface="맑은 고딕" panose="020B0503020000020004" pitchFamily="50" charset="-127"/>
-                </a:rPr>
-                <a:t>?</a:t>
-              </a:r>
-            </a:p>
-            <a:p>
-              <a:pPr marL="857250" lvl="1" indent="-400050" algn="l">
-                <a:lnSpc>
-                  <a:spcPct val="130000"/>
-                </a:lnSpc>
-                <a:spcBef>
-                  <a:spcPts val="600"/>
-                </a:spcBef>
-                <a:spcAft>
-                  <a:spcPts val="0"/>
-                </a:spcAft>
-                <a:buClr>
-                  <a:srgbClr val="4D4D4D"/>
-                </a:buClr>
-                <a:buFont typeface="+mj-lt"/>
-                <a:buAutoNum type="romanUcPeriod"/>
-                <a:defRPr/>
-              </a:pPr>
-              <a:r>
-                <a:rPr lang="ko-KR" altLang="en-US" sz="1400" dirty="0">
-                  <a:ln>
-                    <a:solidFill>
-                      <a:srgbClr val="4F81BD">
-                        <a:alpha val="0"/>
-                      </a:srgbClr>
-                    </a:solidFill>
-                  </a:ln>
-                  <a:solidFill>
-                    <a:schemeClr val="tx1">
-                      <a:lumMod val="85000"/>
-                      <a:lumOff val="15000"/>
-                    </a:schemeClr>
-                  </a:solidFill>
-                  <a:latin typeface="맑은 고딕" panose="020B0503020000020004" pitchFamily="50" charset="-127"/>
-                  <a:ea typeface="맑은 고딕" panose="020B0503020000020004" pitchFamily="50" charset="-127"/>
-                </a:rPr>
-                <a:t>가지치기 된 나무모델을 사용하지 않고</a:t>
-              </a:r>
-              <a:r>
-                <a:rPr lang="en-US" altLang="ko-KR" sz="1400" dirty="0">
-                  <a:ln>
-                    <a:solidFill>
-                      <a:srgbClr val="4F81BD">
-                        <a:alpha val="0"/>
-                      </a:srgbClr>
-                    </a:solidFill>
-                  </a:ln>
-                  <a:solidFill>
-                    <a:schemeClr val="tx1">
-                      <a:lumMod val="85000"/>
-                      <a:lumOff val="15000"/>
-                    </a:schemeClr>
-                  </a:solidFill>
-                  <a:latin typeface="맑은 고딕" panose="020B0503020000020004" pitchFamily="50" charset="-127"/>
-                  <a:ea typeface="맑은 고딕" panose="020B0503020000020004" pitchFamily="50" charset="-127"/>
-                </a:rPr>
-                <a:t>, </a:t>
-              </a:r>
-              <a:r>
-                <a:rPr lang="ko-KR" altLang="en-US" sz="1400" dirty="0">
-                  <a:ln>
-                    <a:solidFill>
-                      <a:srgbClr val="4F81BD">
-                        <a:alpha val="0"/>
-                      </a:srgbClr>
-                    </a:solidFill>
-                  </a:ln>
-                  <a:solidFill>
-                    <a:schemeClr val="tx1">
-                      <a:lumMod val="85000"/>
-                      <a:lumOff val="15000"/>
-                    </a:schemeClr>
-                  </a:solidFill>
-                  <a:latin typeface="맑은 고딕" panose="020B0503020000020004" pitchFamily="50" charset="-127"/>
-                  <a:ea typeface="맑은 고딕" panose="020B0503020000020004" pitchFamily="50" charset="-127"/>
-                </a:rPr>
-                <a:t>가지치기 되지 않은 나무모델의 최상위 수준을 사용한다면 어떠한 단점이 있겠는가</a:t>
-              </a:r>
-              <a:r>
-                <a:rPr lang="en-US" altLang="ko-KR" sz="1400" dirty="0">
-                  <a:ln>
-                    <a:solidFill>
-                      <a:srgbClr val="4F81BD">
-                        <a:alpha val="0"/>
-                      </a:srgbClr>
-                    </a:solidFill>
-                  </a:ln>
-                  <a:solidFill>
-                    <a:schemeClr val="tx1">
-                      <a:lumMod val="85000"/>
-                      <a:lumOff val="15000"/>
-                    </a:schemeClr>
-                  </a:solidFill>
-                  <a:latin typeface="맑은 고딕" panose="020B0503020000020004" pitchFamily="50" charset="-127"/>
-                  <a:ea typeface="맑은 고딕" panose="020B0503020000020004" pitchFamily="50" charset="-127"/>
-                </a:rPr>
-                <a:t>?</a:t>
-              </a:r>
-              <a:r>
-                <a:rPr lang="ko-KR" altLang="en-US" sz="1400" dirty="0">
-                  <a:ln>
-                    <a:solidFill>
-                      <a:srgbClr val="4F81BD">
-                        <a:alpha val="0"/>
-                      </a:srgbClr>
-                    </a:solidFill>
-                  </a:ln>
-                  <a:solidFill>
-                    <a:schemeClr val="tx1">
-                      <a:lumMod val="85000"/>
-                      <a:lumOff val="15000"/>
-                    </a:schemeClr>
-                  </a:solidFill>
-                  <a:latin typeface="맑은 고딕" panose="020B0503020000020004" pitchFamily="50" charset="-127"/>
-                  <a:ea typeface="맑은 고딕" panose="020B0503020000020004" pitchFamily="50" charset="-127"/>
-                </a:rPr>
-                <a:t> </a:t>
-              </a:r>
-              <a:endParaRPr kumimoji="0" lang="ko-KR" altLang="en-US" sz="1400" dirty="0">
-                <a:ln>
-                  <a:solidFill>
-                    <a:srgbClr val="4F81BD">
-                      <a:alpha val="0"/>
-                    </a:srgbClr>
-                  </a:solidFill>
-                </a:ln>
-                <a:solidFill>
-                  <a:schemeClr val="tx1">
-                    <a:lumMod val="85000"/>
-                    <a:lumOff val="15000"/>
-                  </a:schemeClr>
-                </a:solidFill>
-                <a:latin typeface="맑은 고딕" panose="020B0503020000020004" pitchFamily="50" charset="-127"/>
-                <a:ea typeface="맑은 고딕" panose="020B0503020000020004" pitchFamily="50" charset="-127"/>
-              </a:endParaRPr>
-            </a:p>
-          </p:txBody>
-        </p:sp>
-      </p:grpSp>
+          <a:prstGeom prst="rect">
+            <a:avLst/>
+          </a:prstGeom>
+        </p:spPr>
+      </p:pic>
+    </p:spTree>
+    <p:extLst>
+      <p:ext uri="{BB962C8B-B14F-4D97-AF65-F5344CB8AC3E}">
+        <p14:creationId xmlns:p14="http://schemas.microsoft.com/office/powerpoint/2010/main" val="4098315020"/>
+      </p:ext>
+    </p:extLst>
+  </p:cSld>
+  <p:clrMapOvr>
+    <a:masterClrMapping/>
+  </p:clrMapOvr>
+  <p:transition advTm="159184"/>
+</p:sld>
+</file>
+
+<file path=ppt/slides/slide7.xml><?xml version="1.0" encoding="utf-8"?>
+<p:sld xmlns:a="http://schemas.openxmlformats.org/drawingml/2006/main" xmlns:r="http://schemas.openxmlformats.org/officeDocument/2006/relationships" xmlns:p="http://schemas.openxmlformats.org/presentationml/2006/main">
+  <p:cSld>
+    <p:spTree>
+      <p:nvGrpSpPr>
+        <p:cNvPr id="1" name=""/>
+        <p:cNvGrpSpPr/>
+        <p:nvPr/>
+      </p:nvGrpSpPr>
+      <p:grpSpPr>
+        <a:xfrm>
+          <a:off x="0" y="0"/>
+          <a:ext cx="0" cy="0"/>
+          <a:chOff x="0" y="0"/>
+          <a:chExt cx="0" cy="0"/>
+        </a:xfrm>
+      </p:grpSpPr>
+      <p:sp>
+        <p:nvSpPr>
+          <p:cNvPr id="13" name="제목 1">
+            <a:extLst>
+              <a:ext uri="{FF2B5EF4-FFF2-40B4-BE49-F238E27FC236}">
+                <a16:creationId xmlns:a16="http://schemas.microsoft.com/office/drawing/2014/main" id="{A49C7182-7B37-A58F-119C-E199A6F37E51}"/>
+              </a:ext>
+            </a:extLst>
+          </p:cNvPr>
+          <p:cNvSpPr>
+            <a:spLocks noGrp="1"/>
+          </p:cNvSpPr>
+          <p:nvPr>
+            <p:ph type="title"/>
+          </p:nvPr>
+        </p:nvSpPr>
+        <p:spPr/>
+        <p:txBody>
+          <a:bodyPr>
+            <a:normAutofit/>
+          </a:bodyPr>
+          <a:lstStyle/>
+          <a:p>
+            <a:r>
+              <a:rPr lang="en-US" altLang="ko-KR" dirty="0"/>
+              <a:t>4.4</a:t>
+            </a:r>
+            <a:r>
+              <a:rPr lang="ko-KR" altLang="en-US" dirty="0"/>
+              <a:t> </a:t>
+            </a:r>
+            <a:r>
+              <a:rPr lang="en-US" altLang="ko-KR" dirty="0"/>
+              <a:t>Chemical Features of Wine</a:t>
+            </a:r>
+            <a:endParaRPr lang="ko-KR" altLang="en-US" dirty="0"/>
+          </a:p>
+        </p:txBody>
+      </p:sp>
       <p:sp>
         <p:nvSpPr>
           <p:cNvPr id="5" name="양쪽 모서리가 둥근 사각형 840">
@@ -6790,8 +7604,8 @@
         </p:nvSpPr>
         <p:spPr>
           <a:xfrm>
-            <a:off x="400012" y="989036"/>
-            <a:ext cx="4171988" cy="403071"/>
+            <a:off x="400011" y="989036"/>
+            <a:ext cx="7502025" cy="403071"/>
           </a:xfrm>
           <a:prstGeom prst="round2SameRect">
             <a:avLst/>
@@ -6832,30 +7646,212 @@
           <a:p>
             <a:pPr marL="72000" algn="l"/>
             <a:r>
-              <a:rPr lang="ko-KR" altLang="en-US" sz="1600" b="1" dirty="0">
-                <a:gradFill>
-                  <a:gsLst>
-                    <a:gs pos="0">
-                      <a:schemeClr val="bg1"/>
-                    </a:gs>
-                    <a:gs pos="100000">
-                      <a:schemeClr val="bg1"/>
-                    </a:gs>
-                  </a:gsLst>
-                  <a:lin ang="5400000" scaled="1"/>
-                </a:gradFill>
+              <a:rPr lang="ko-KR" altLang="en-US" sz="1600" dirty="0">
+                <a:ln>
+                  <a:solidFill>
+                    <a:srgbClr val="4F81BD">
+                      <a:alpha val="0"/>
+                    </a:srgbClr>
+                  </a:solidFill>
+                </a:ln>
+                <a:solidFill>
+                  <a:schemeClr val="bg1"/>
+                </a:solidFill>
                 <a:latin typeface="맑은 고딕" panose="020B0503020000020004" pitchFamily="50" charset="-127"/>
                 <a:ea typeface="맑은 고딕" panose="020B0503020000020004" pitchFamily="50" charset="-127"/>
               </a:rPr>
-              <a:t>연착 항공편 예측</a:t>
-            </a:r>
+              <a:t>최소 불순도 감소</a:t>
+            </a:r>
+            <a:r>
+              <a:rPr lang="en-US" altLang="ko-KR" sz="1600" dirty="0">
+                <a:ln>
+                  <a:solidFill>
+                    <a:srgbClr val="4F81BD">
+                      <a:alpha val="0"/>
+                    </a:srgbClr>
+                  </a:solidFill>
+                </a:ln>
+                <a:solidFill>
+                  <a:schemeClr val="bg1"/>
+                </a:solidFill>
+                <a:latin typeface="맑은 고딕" panose="020B0503020000020004" pitchFamily="50" charset="-127"/>
+                <a:ea typeface="맑은 고딕" panose="020B0503020000020004" pitchFamily="50" charset="-127"/>
+              </a:rPr>
+              <a:t>(impurity decrease)=0.001 </a:t>
+            </a:r>
+            <a:r>
+              <a:rPr lang="ko-KR" altLang="en-US" sz="1600" dirty="0">
+                <a:ln>
+                  <a:solidFill>
+                    <a:srgbClr val="4F81BD">
+                      <a:alpha val="0"/>
+                    </a:srgbClr>
+                  </a:solidFill>
+                </a:ln>
+                <a:solidFill>
+                  <a:schemeClr val="bg1"/>
+                </a:solidFill>
+                <a:latin typeface="맑은 고딕" panose="020B0503020000020004" pitchFamily="50" charset="-127"/>
+                <a:ea typeface="맑은 고딕" panose="020B0503020000020004" pitchFamily="50" charset="-127"/>
+              </a:rPr>
+              <a:t>수준으로</a:t>
+            </a:r>
+            <a:r>
+              <a:rPr lang="en-US" altLang="ko-KR" sz="1600" dirty="0">
+                <a:ln>
+                  <a:solidFill>
+                    <a:srgbClr val="4F81BD">
+                      <a:alpha val="0"/>
+                    </a:srgbClr>
+                  </a:solidFill>
+                </a:ln>
+                <a:solidFill>
+                  <a:schemeClr val="bg1"/>
+                </a:solidFill>
+                <a:latin typeface="맑은 고딕" panose="020B0503020000020004" pitchFamily="50" charset="-127"/>
+                <a:ea typeface="맑은 고딕" panose="020B0503020000020004" pitchFamily="50" charset="-127"/>
+              </a:rPr>
+              <a:t> </a:t>
+            </a:r>
+            <a:r>
+              <a:rPr lang="ko-KR" altLang="en-US" sz="1600" dirty="0">
+                <a:ln>
+                  <a:solidFill>
+                    <a:srgbClr val="4F81BD">
+                      <a:alpha val="0"/>
+                    </a:srgbClr>
+                  </a:solidFill>
+                </a:ln>
+                <a:solidFill>
+                  <a:schemeClr val="bg1"/>
+                </a:solidFill>
+                <a:latin typeface="맑은 고딕" panose="020B0503020000020004" pitchFamily="50" charset="-127"/>
+                <a:ea typeface="맑은 고딕" panose="020B0503020000020004" pitchFamily="50" charset="-127"/>
+              </a:rPr>
+              <a:t>변경</a:t>
+            </a:r>
+            <a:r>
+              <a:rPr lang="en-US" altLang="ko-KR" sz="1600" dirty="0">
+                <a:ln>
+                  <a:solidFill>
+                    <a:srgbClr val="4F81BD">
+                      <a:alpha val="0"/>
+                    </a:srgbClr>
+                  </a:solidFill>
+                </a:ln>
+                <a:solidFill>
+                  <a:schemeClr val="bg1"/>
+                </a:solidFill>
+                <a:latin typeface="맑은 고딕" panose="020B0503020000020004" pitchFamily="50" charset="-127"/>
+                <a:ea typeface="맑은 고딕" panose="020B0503020000020004" pitchFamily="50" charset="-127"/>
+              </a:rPr>
+              <a:t>, Weather </a:t>
+            </a:r>
+            <a:r>
+              <a:rPr lang="ko-KR" altLang="en-US" sz="1600" dirty="0">
+                <a:ln>
+                  <a:solidFill>
+                    <a:srgbClr val="4F81BD">
+                      <a:alpha val="0"/>
+                    </a:srgbClr>
+                  </a:solidFill>
+                </a:ln>
+                <a:solidFill>
+                  <a:schemeClr val="bg1"/>
+                </a:solidFill>
+                <a:latin typeface="맑은 고딕" panose="020B0503020000020004" pitchFamily="50" charset="-127"/>
+                <a:ea typeface="맑은 고딕" panose="020B0503020000020004" pitchFamily="50" charset="-127"/>
+              </a:rPr>
+              <a:t>제외</a:t>
+            </a:r>
+            <a:endParaRPr lang="ko-KR" altLang="en-US" sz="1600" b="1" dirty="0">
+              <a:solidFill>
+                <a:schemeClr val="bg1"/>
+              </a:solidFill>
+              <a:latin typeface="맑은 고딕" panose="020B0503020000020004" pitchFamily="50" charset="-127"/>
+              <a:ea typeface="맑은 고딕" panose="020B0503020000020004" pitchFamily="50" charset="-127"/>
+            </a:endParaRPr>
           </a:p>
         </p:txBody>
       </p:sp>
+      <p:pic>
+        <p:nvPicPr>
+          <p:cNvPr id="6" name="그림 5">
+            <a:extLst>
+              <a:ext uri="{FF2B5EF4-FFF2-40B4-BE49-F238E27FC236}">
+                <a16:creationId xmlns:a16="http://schemas.microsoft.com/office/drawing/2014/main" id="{780C3CFB-BEB9-8F90-9A69-4E4995423353}"/>
+              </a:ext>
+            </a:extLst>
+          </p:cNvPr>
+          <p:cNvPicPr>
+            <a:picLocks noChangeAspect="1"/>
+          </p:cNvPicPr>
+          <p:nvPr/>
+        </p:nvPicPr>
+        <p:blipFill>
+          <a:blip r:embed="rId2"/>
+          <a:stretch>
+            <a:fillRect/>
+          </a:stretch>
+        </p:blipFill>
+        <p:spPr>
+          <a:xfrm>
+            <a:off x="251952" y="1421178"/>
+            <a:ext cx="8746146" cy="5289172"/>
+          </a:xfrm>
+          <a:prstGeom prst="rect">
+            <a:avLst/>
+          </a:prstGeom>
+        </p:spPr>
+      </p:pic>
+      <p:pic>
+        <p:nvPicPr>
+          <p:cNvPr id="7" name="그림 6">
+            <a:extLst>
+              <a:ext uri="{FF2B5EF4-FFF2-40B4-BE49-F238E27FC236}">
+                <a16:creationId xmlns:a16="http://schemas.microsoft.com/office/drawing/2014/main" id="{804F21EE-D750-9D64-6E1D-6910172C067B}"/>
+              </a:ext>
+            </a:extLst>
+          </p:cNvPr>
+          <p:cNvPicPr>
+            <a:picLocks noChangeAspect="1"/>
+          </p:cNvPicPr>
+          <p:nvPr/>
+        </p:nvPicPr>
+        <p:blipFill>
+          <a:blip r:embed="rId3"/>
+          <a:stretch>
+            <a:fillRect/>
+          </a:stretch>
+        </p:blipFill>
+        <p:spPr>
+          <a:xfrm>
+            <a:off x="701957" y="1538980"/>
+            <a:ext cx="2520027" cy="1663218"/>
+          </a:xfrm>
+          <a:prstGeom prst="rect">
+            <a:avLst/>
+          </a:prstGeom>
+          <a:ln w="38100" cap="sq">
+            <a:solidFill>
+              <a:srgbClr val="000000"/>
+            </a:solidFill>
+            <a:prstDash val="solid"/>
+            <a:miter lim="800000"/>
+          </a:ln>
+          <a:effectLst>
+            <a:outerShdw blurRad="50800" dist="38100" dir="2700000" algn="tl" rotWithShape="0">
+              <a:srgbClr val="000000">
+                <a:alpha val="43000"/>
+              </a:srgbClr>
+            </a:outerShdw>
+          </a:effectLst>
+        </p:spPr>
+      </p:pic>
     </p:spTree>
     <p:extLst>
       <p:ext uri="{BB962C8B-B14F-4D97-AF65-F5344CB8AC3E}">
-        <p14:creationId xmlns:p14="http://schemas.microsoft.com/office/powerpoint/2010/main" val="4098315020"/>
+        <p14:creationId xmlns:p14="http://schemas.microsoft.com/office/powerpoint/2010/main" val="1046619693"/>
       </p:ext>
     </p:extLst>
   </p:cSld>
@@ -6866,7 +7862,7 @@
 </p:sld>
 </file>
 
-<file path=ppt/slides/slide4.xml><?xml version="1.0" encoding="utf-8"?>
+<file path=ppt/slides/slide8.xml><?xml version="1.0" encoding="utf-8"?>
 <p:sld xmlns:a="http://schemas.openxmlformats.org/drawingml/2006/main" xmlns:r="http://schemas.openxmlformats.org/officeDocument/2006/relationships" xmlns:p="http://schemas.openxmlformats.org/presentationml/2006/main">
   <p:cSld>
     <p:spTree>
@@ -6936,8 +7932,8 @@
         </p:nvSpPr>
         <p:spPr>
           <a:xfrm>
-            <a:off x="400012" y="989036"/>
-            <a:ext cx="4171988" cy="403071"/>
+            <a:off x="400011" y="989036"/>
+            <a:ext cx="7502025" cy="403071"/>
           </a:xfrm>
           <a:prstGeom prst="round2SameRect">
             <a:avLst/>
@@ -6978,48 +7974,581 @@
           <a:p>
             <a:pPr marL="72000" algn="l"/>
             <a:r>
-              <a:rPr lang="en-US" altLang="ko-KR" sz="1600" b="1" dirty="0">
-                <a:gradFill>
-                  <a:gsLst>
-                    <a:gs pos="0">
-                      <a:schemeClr val="bg1"/>
-                    </a:gs>
-                    <a:gs pos="100000">
-                      <a:schemeClr val="bg1"/>
-                    </a:gs>
-                  </a:gsLst>
-                  <a:lin ang="5400000" scaled="1"/>
-                </a:gradFill>
+              <a:rPr lang="ko-KR" altLang="en-US" sz="1600" dirty="0" err="1">
+                <a:ln>
+                  <a:solidFill>
+                    <a:srgbClr val="4F81BD">
+                      <a:alpha val="0"/>
+                    </a:srgbClr>
+                  </a:solidFill>
+                </a:ln>
+                <a:solidFill>
+                  <a:schemeClr val="bg1"/>
+                </a:solidFill>
                 <a:latin typeface="맑은 고딕" panose="020B0503020000020004" pitchFamily="50" charset="-127"/>
                 <a:ea typeface="맑은 고딕" panose="020B0503020000020004" pitchFamily="50" charset="-127"/>
               </a:rPr>
-              <a:t>sol)</a:t>
-            </a:r>
-            <a:r>
-              <a:rPr lang="ko-KR" altLang="en-US" sz="1600" b="1" dirty="0">
-                <a:gradFill>
-                  <a:gsLst>
-                    <a:gs pos="0">
-                      <a:schemeClr val="bg1"/>
-                    </a:gs>
-                    <a:gs pos="100000">
-                      <a:schemeClr val="bg1"/>
-                    </a:gs>
-                  </a:gsLst>
-                  <a:lin ang="5400000" scaled="1"/>
-                </a:gradFill>
+              <a:t>알파값을</a:t>
+            </a:r>
+            <a:r>
+              <a:rPr lang="ko-KR" altLang="en-US" sz="1600" dirty="0">
+                <a:ln>
+                  <a:solidFill>
+                    <a:srgbClr val="4F81BD">
+                      <a:alpha val="0"/>
+                    </a:srgbClr>
+                  </a:solidFill>
+                </a:ln>
+                <a:solidFill>
+                  <a:schemeClr val="bg1"/>
+                </a:solidFill>
                 <a:latin typeface="맑은 고딕" panose="020B0503020000020004" pitchFamily="50" charset="-127"/>
                 <a:ea typeface="맑은 고딕" panose="020B0503020000020004" pitchFamily="50" charset="-127"/>
               </a:rPr>
-              <a:t> 연착 항공편 예측</a:t>
-            </a:r>
+              <a:t> 이용한 가지치기</a:t>
+            </a:r>
+            <a:r>
+              <a:rPr lang="en-US" altLang="ko-KR" sz="1600" dirty="0">
+                <a:ln>
+                  <a:solidFill>
+                    <a:srgbClr val="4F81BD">
+                      <a:alpha val="0"/>
+                    </a:srgbClr>
+                  </a:solidFill>
+                </a:ln>
+                <a:solidFill>
+                  <a:schemeClr val="bg1"/>
+                </a:solidFill>
+                <a:latin typeface="맑은 고딕" panose="020B0503020000020004" pitchFamily="50" charset="-127"/>
+                <a:ea typeface="맑은 고딕" panose="020B0503020000020004" pitchFamily="50" charset="-127"/>
+              </a:rPr>
+              <a:t>, </a:t>
+            </a:r>
+            <a:r>
+              <a:rPr lang="ko-KR" altLang="en-US" sz="1600" dirty="0">
+                <a:ln>
+                  <a:solidFill>
+                    <a:srgbClr val="4F81BD">
+                      <a:alpha val="0"/>
+                    </a:srgbClr>
+                  </a:solidFill>
+                </a:ln>
+                <a:solidFill>
+                  <a:schemeClr val="bg1"/>
+                </a:solidFill>
+                <a:latin typeface="맑은 고딕" panose="020B0503020000020004" pitchFamily="50" charset="-127"/>
+                <a:ea typeface="맑은 고딕" panose="020B0503020000020004" pitchFamily="50" charset="-127"/>
+              </a:rPr>
+              <a:t>최소 불순도 감소</a:t>
+            </a:r>
+            <a:r>
+              <a:rPr lang="en-US" altLang="ko-KR" sz="1600" dirty="0">
+                <a:ln>
+                  <a:solidFill>
+                    <a:srgbClr val="4F81BD">
+                      <a:alpha val="0"/>
+                    </a:srgbClr>
+                  </a:solidFill>
+                </a:ln>
+                <a:solidFill>
+                  <a:schemeClr val="bg1"/>
+                </a:solidFill>
+                <a:latin typeface="맑은 고딕" panose="020B0503020000020004" pitchFamily="50" charset="-127"/>
+                <a:ea typeface="맑은 고딕" panose="020B0503020000020004" pitchFamily="50" charset="-127"/>
+              </a:rPr>
+              <a:t>(impurity decrease)=0.001 </a:t>
+            </a:r>
+            <a:r>
+              <a:rPr lang="ko-KR" altLang="en-US" sz="1600" dirty="0">
+                <a:ln>
+                  <a:solidFill>
+                    <a:srgbClr val="4F81BD">
+                      <a:alpha val="0"/>
+                    </a:srgbClr>
+                  </a:solidFill>
+                </a:ln>
+                <a:solidFill>
+                  <a:schemeClr val="bg1"/>
+                </a:solidFill>
+                <a:latin typeface="맑은 고딕" panose="020B0503020000020004" pitchFamily="50" charset="-127"/>
+                <a:ea typeface="맑은 고딕" panose="020B0503020000020004" pitchFamily="50" charset="-127"/>
+              </a:rPr>
+              <a:t>수준</a:t>
+            </a:r>
+            <a:endParaRPr lang="ko-KR" altLang="en-US" sz="1600" b="1" dirty="0">
+              <a:solidFill>
+                <a:schemeClr val="bg1"/>
+              </a:solidFill>
+              <a:latin typeface="맑은 고딕" panose="020B0503020000020004" pitchFamily="50" charset="-127"/>
+              <a:ea typeface="맑은 고딕" panose="020B0503020000020004" pitchFamily="50" charset="-127"/>
+            </a:endParaRPr>
           </a:p>
         </p:txBody>
       </p:sp>
+      <p:pic>
+        <p:nvPicPr>
+          <p:cNvPr id="7" name="그림 6">
+            <a:extLst>
+              <a:ext uri="{FF2B5EF4-FFF2-40B4-BE49-F238E27FC236}">
+                <a16:creationId xmlns:a16="http://schemas.microsoft.com/office/drawing/2014/main" id="{C5008438-2D7B-F751-9F64-341CF396CBA4}"/>
+              </a:ext>
+            </a:extLst>
+          </p:cNvPr>
+          <p:cNvPicPr>
+            <a:picLocks noChangeAspect="1"/>
+          </p:cNvPicPr>
+          <p:nvPr/>
+        </p:nvPicPr>
+        <p:blipFill>
+          <a:blip r:embed="rId2"/>
+          <a:stretch>
+            <a:fillRect/>
+          </a:stretch>
+        </p:blipFill>
+        <p:spPr>
+          <a:xfrm>
+            <a:off x="452275" y="1392107"/>
+            <a:ext cx="7539763" cy="4864362"/>
+          </a:xfrm>
+          <a:prstGeom prst="rect">
+            <a:avLst/>
+          </a:prstGeom>
+        </p:spPr>
+      </p:pic>
     </p:spTree>
     <p:extLst>
       <p:ext uri="{BB962C8B-B14F-4D97-AF65-F5344CB8AC3E}">
-        <p14:creationId xmlns:p14="http://schemas.microsoft.com/office/powerpoint/2010/main" val="1046619693"/>
+        <p14:creationId xmlns:p14="http://schemas.microsoft.com/office/powerpoint/2010/main" val="3959145744"/>
+      </p:ext>
+    </p:extLst>
+  </p:cSld>
+  <p:clrMapOvr>
+    <a:masterClrMapping/>
+  </p:clrMapOvr>
+  <p:transition advTm="159184"/>
+</p:sld>
+</file>
+
+<file path=ppt/slides/slide9.xml><?xml version="1.0" encoding="utf-8"?>
+<p:sld xmlns:a="http://schemas.openxmlformats.org/drawingml/2006/main" xmlns:r="http://schemas.openxmlformats.org/officeDocument/2006/relationships" xmlns:p="http://schemas.openxmlformats.org/presentationml/2006/main">
+  <p:cSld>
+    <p:spTree>
+      <p:nvGrpSpPr>
+        <p:cNvPr id="1" name=""/>
+        <p:cNvGrpSpPr/>
+        <p:nvPr/>
+      </p:nvGrpSpPr>
+      <p:grpSpPr>
+        <a:xfrm>
+          <a:off x="0" y="0"/>
+          <a:ext cx="0" cy="0"/>
+          <a:chOff x="0" y="0"/>
+          <a:chExt cx="0" cy="0"/>
+        </a:xfrm>
+      </p:grpSpPr>
+      <p:sp>
+        <p:nvSpPr>
+          <p:cNvPr id="13" name="제목 1">
+            <a:extLst>
+              <a:ext uri="{FF2B5EF4-FFF2-40B4-BE49-F238E27FC236}">
+                <a16:creationId xmlns:a16="http://schemas.microsoft.com/office/drawing/2014/main" id="{A49C7182-7B37-A58F-119C-E199A6F37E51}"/>
+              </a:ext>
+            </a:extLst>
+          </p:cNvPr>
+          <p:cNvSpPr>
+            <a:spLocks noGrp="1"/>
+          </p:cNvSpPr>
+          <p:nvPr>
+            <p:ph type="title"/>
+          </p:nvPr>
+        </p:nvSpPr>
+        <p:spPr/>
+        <p:txBody>
+          <a:bodyPr>
+            <a:normAutofit/>
+          </a:bodyPr>
+          <a:lstStyle/>
+          <a:p>
+            <a:r>
+              <a:rPr lang="en-US" altLang="ko-KR" dirty="0"/>
+              <a:t>4.4</a:t>
+            </a:r>
+            <a:r>
+              <a:rPr lang="ko-KR" altLang="en-US" dirty="0"/>
+              <a:t> </a:t>
+            </a:r>
+            <a:r>
+              <a:rPr lang="en-US" altLang="ko-KR" dirty="0"/>
+              <a:t>Chemical Features of Wine</a:t>
+            </a:r>
+            <a:endParaRPr lang="ko-KR" altLang="en-US" dirty="0"/>
+          </a:p>
+        </p:txBody>
+      </p:sp>
+      <p:sp>
+        <p:nvSpPr>
+          <p:cNvPr id="5" name="양쪽 모서리가 둥근 사각형 840">
+            <a:extLst>
+              <a:ext uri="{FF2B5EF4-FFF2-40B4-BE49-F238E27FC236}">
+                <a16:creationId xmlns:a16="http://schemas.microsoft.com/office/drawing/2014/main" id="{9842AFC7-4441-8E0F-210F-2450B729D3D7}"/>
+              </a:ext>
+            </a:extLst>
+          </p:cNvPr>
+          <p:cNvSpPr/>
+          <p:nvPr/>
+        </p:nvSpPr>
+        <p:spPr>
+          <a:xfrm>
+            <a:off x="400011" y="989036"/>
+            <a:ext cx="7502025" cy="403071"/>
+          </a:xfrm>
+          <a:prstGeom prst="round2SameRect">
+            <a:avLst/>
+          </a:prstGeom>
+          <a:solidFill>
+            <a:srgbClr val="2D6BDB"/>
+          </a:solidFill>
+          <a:ln>
+            <a:noFill/>
+          </a:ln>
+          <a:effectLst>
+            <a:outerShdw blurRad="50800" dist="38100" algn="l" rotWithShape="0">
+              <a:prstClr val="black">
+                <a:alpha val="13000"/>
+              </a:prstClr>
+            </a:outerShdw>
+          </a:effectLst>
+        </p:spPr>
+        <p:style>
+          <a:lnRef idx="2">
+            <a:schemeClr val="accent1">
+              <a:shade val="50000"/>
+            </a:schemeClr>
+          </a:lnRef>
+          <a:fillRef idx="1">
+            <a:schemeClr val="accent1"/>
+          </a:fillRef>
+          <a:effectRef idx="0">
+            <a:schemeClr val="accent1"/>
+          </a:effectRef>
+          <a:fontRef idx="minor">
+            <a:schemeClr val="lt1"/>
+          </a:fontRef>
+        </p:style>
+        <p:txBody>
+          <a:bodyPr rtlCol="0" anchor="ctr"/>
+          <a:lstStyle/>
+          <a:p>
+            <a:pPr marL="72000" algn="l"/>
+            <a:r>
+              <a:rPr lang="ko-KR" altLang="en-US" sz="1600" dirty="0">
+                <a:ln>
+                  <a:solidFill>
+                    <a:srgbClr val="4F81BD">
+                      <a:alpha val="0"/>
+                    </a:srgbClr>
+                  </a:solidFill>
+                </a:ln>
+                <a:solidFill>
+                  <a:schemeClr val="bg1"/>
+                </a:solidFill>
+                <a:latin typeface="맑은 고딕" panose="020B0503020000020004" pitchFamily="50" charset="-127"/>
+                <a:ea typeface="맑은 고딕" panose="020B0503020000020004" pitchFamily="50" charset="-127"/>
+              </a:rPr>
+              <a:t>가지치기</a:t>
+            </a:r>
+            <a:r>
+              <a:rPr lang="en-US" altLang="ko-KR" sz="1600" dirty="0">
+                <a:ln>
+                  <a:solidFill>
+                    <a:srgbClr val="4F81BD">
+                      <a:alpha val="0"/>
+                    </a:srgbClr>
+                  </a:solidFill>
+                </a:ln>
+                <a:solidFill>
+                  <a:schemeClr val="bg1"/>
+                </a:solidFill>
+                <a:latin typeface="맑은 고딕" panose="020B0503020000020004" pitchFamily="50" charset="-127"/>
+                <a:ea typeface="맑은 고딕" panose="020B0503020000020004" pitchFamily="50" charset="-127"/>
+              </a:rPr>
+              <a:t>, </a:t>
+            </a:r>
+            <a:r>
+              <a:rPr lang="ko-KR" altLang="en-US" sz="1600" dirty="0">
+                <a:ln>
+                  <a:solidFill>
+                    <a:srgbClr val="4F81BD">
+                      <a:alpha val="0"/>
+                    </a:srgbClr>
+                  </a:solidFill>
+                </a:ln>
+                <a:solidFill>
+                  <a:schemeClr val="bg1"/>
+                </a:solidFill>
+                <a:latin typeface="맑은 고딕" panose="020B0503020000020004" pitchFamily="50" charset="-127"/>
+                <a:ea typeface="맑은 고딕" panose="020B0503020000020004" pitchFamily="50" charset="-127"/>
+              </a:rPr>
+              <a:t>최소 불순도 감소</a:t>
+            </a:r>
+            <a:r>
+              <a:rPr lang="en-US" altLang="ko-KR" sz="1600" dirty="0">
+                <a:ln>
+                  <a:solidFill>
+                    <a:srgbClr val="4F81BD">
+                      <a:alpha val="0"/>
+                    </a:srgbClr>
+                  </a:solidFill>
+                </a:ln>
+                <a:solidFill>
+                  <a:schemeClr val="bg1"/>
+                </a:solidFill>
+                <a:latin typeface="맑은 고딕" panose="020B0503020000020004" pitchFamily="50" charset="-127"/>
+                <a:ea typeface="맑은 고딕" panose="020B0503020000020004" pitchFamily="50" charset="-127"/>
+              </a:rPr>
+              <a:t>(impurity decrease)=0.001 </a:t>
+            </a:r>
+            <a:r>
+              <a:rPr lang="ko-KR" altLang="en-US" sz="1600" dirty="0">
+                <a:ln>
+                  <a:solidFill>
+                    <a:srgbClr val="4F81BD">
+                      <a:alpha val="0"/>
+                    </a:srgbClr>
+                  </a:solidFill>
+                </a:ln>
+                <a:solidFill>
+                  <a:schemeClr val="bg1"/>
+                </a:solidFill>
+                <a:latin typeface="맑은 고딕" panose="020B0503020000020004" pitchFamily="50" charset="-127"/>
+                <a:ea typeface="맑은 고딕" panose="020B0503020000020004" pitchFamily="50" charset="-127"/>
+              </a:rPr>
+              <a:t>수준</a:t>
+            </a:r>
+            <a:endParaRPr lang="ko-KR" altLang="en-US" sz="1600" b="1" dirty="0">
+              <a:solidFill>
+                <a:schemeClr val="bg1"/>
+              </a:solidFill>
+              <a:latin typeface="맑은 고딕" panose="020B0503020000020004" pitchFamily="50" charset="-127"/>
+              <a:ea typeface="맑은 고딕" panose="020B0503020000020004" pitchFamily="50" charset="-127"/>
+            </a:endParaRPr>
+          </a:p>
+        </p:txBody>
+      </p:sp>
+      <p:pic>
+        <p:nvPicPr>
+          <p:cNvPr id="4" name="그림 3">
+            <a:extLst>
+              <a:ext uri="{FF2B5EF4-FFF2-40B4-BE49-F238E27FC236}">
+                <a16:creationId xmlns:a16="http://schemas.microsoft.com/office/drawing/2014/main" id="{AB06D8BF-4AED-3D74-FC0A-E72E21C8AC54}"/>
+              </a:ext>
+            </a:extLst>
+          </p:cNvPr>
+          <p:cNvPicPr>
+            <a:picLocks noChangeAspect="1"/>
+          </p:cNvPicPr>
+          <p:nvPr/>
+        </p:nvPicPr>
+        <p:blipFill>
+          <a:blip r:embed="rId2"/>
+          <a:stretch>
+            <a:fillRect/>
+          </a:stretch>
+        </p:blipFill>
+        <p:spPr>
+          <a:xfrm>
+            <a:off x="130007" y="1538980"/>
+            <a:ext cx="8879618" cy="5193608"/>
+          </a:xfrm>
+          <a:prstGeom prst="rect">
+            <a:avLst/>
+          </a:prstGeom>
+        </p:spPr>
+      </p:pic>
+      <p:sp>
+        <p:nvSpPr>
+          <p:cNvPr id="2" name="사각형: 둥근 모서리 1">
+            <a:extLst>
+              <a:ext uri="{FF2B5EF4-FFF2-40B4-BE49-F238E27FC236}">
+                <a16:creationId xmlns:a16="http://schemas.microsoft.com/office/drawing/2014/main" id="{C663B649-2180-D4A3-9DF4-62AD35C14736}"/>
+              </a:ext>
+            </a:extLst>
+          </p:cNvPr>
+          <p:cNvSpPr/>
+          <p:nvPr/>
+        </p:nvSpPr>
+        <p:spPr bwMode="auto">
+          <a:xfrm>
+            <a:off x="130007" y="3309585"/>
+            <a:ext cx="2191968" cy="999725"/>
+          </a:xfrm>
+          <a:prstGeom prst="roundRect">
+            <a:avLst/>
+          </a:prstGeom>
+          <a:ln>
+            <a:headEnd type="none" w="med" len="med"/>
+            <a:tailEnd type="none" w="med" len="med"/>
+          </a:ln>
+        </p:spPr>
+        <p:style>
+          <a:lnRef idx="2">
+            <a:schemeClr val="accent1"/>
+          </a:lnRef>
+          <a:fillRef idx="1">
+            <a:schemeClr val="lt1"/>
+          </a:fillRef>
+          <a:effectRef idx="0">
+            <a:schemeClr val="accent1"/>
+          </a:effectRef>
+          <a:fontRef idx="minor">
+            <a:schemeClr val="dk1"/>
+          </a:fontRef>
+        </p:style>
+        <p:txBody>
+          <a:bodyPr vert="horz" wrap="none" lIns="91440" tIns="45720" rIns="91440" bIns="45720" numCol="1" rtlCol="0" anchor="ctr" anchorCtr="0" compatLnSpc="1">
+            <a:prstTxWarp prst="textNoShape">
+              <a:avLst/>
+            </a:prstTxWarp>
+          </a:bodyPr>
+          <a:lstStyle/>
+          <a:p>
+            <a:pPr marL="0" marR="0" indent="0" algn="ctr" defTabSz="914400" rtl="0" eaLnBrk="1" fontAlgn="base" latinLnBrk="0" hangingPunct="1">
+              <a:lnSpc>
+                <a:spcPct val="100000"/>
+              </a:lnSpc>
+              <a:spcBef>
+                <a:spcPct val="0"/>
+              </a:spcBef>
+              <a:spcAft>
+                <a:spcPct val="0"/>
+              </a:spcAft>
+              <a:buClrTx/>
+              <a:buSzTx/>
+              <a:buFontTx/>
+              <a:buNone/>
+              <a:tabLst/>
+            </a:pPr>
+            <a:r>
+              <a:rPr lang="ko-KR" altLang="en-US" sz="1400" dirty="0" err="1">
+                <a:solidFill>
+                  <a:schemeClr val="tx1"/>
+                </a:solidFill>
+                <a:latin typeface="Arial" charset="0"/>
+              </a:rPr>
+              <a:t>알파값을</a:t>
+            </a:r>
+            <a:r>
+              <a:rPr lang="ko-KR" altLang="en-US" sz="1400" dirty="0">
+                <a:solidFill>
+                  <a:schemeClr val="tx1"/>
+                </a:solidFill>
+                <a:latin typeface="Arial" charset="0"/>
+              </a:rPr>
+              <a:t> 이용한 가지치기</a:t>
+            </a:r>
+            <a:endParaRPr lang="en-US" altLang="ko-KR" sz="1400" dirty="0">
+              <a:solidFill>
+                <a:schemeClr val="tx1"/>
+              </a:solidFill>
+              <a:latin typeface="Arial" charset="0"/>
+            </a:endParaRPr>
+          </a:p>
+          <a:p>
+            <a:pPr marL="0" marR="0" indent="0" algn="ctr" defTabSz="914400" rtl="0" eaLnBrk="1" fontAlgn="base" latinLnBrk="0" hangingPunct="1">
+              <a:lnSpc>
+                <a:spcPct val="100000"/>
+              </a:lnSpc>
+              <a:spcBef>
+                <a:spcPct val="0"/>
+              </a:spcBef>
+              <a:spcAft>
+                <a:spcPct val="0"/>
+              </a:spcAft>
+              <a:buClrTx/>
+              <a:buSzTx/>
+              <a:buFontTx/>
+              <a:buNone/>
+              <a:tabLst/>
+            </a:pPr>
+            <a:r>
+              <a:rPr lang="ko-KR" altLang="en-US" sz="1400" dirty="0">
+                <a:solidFill>
+                  <a:schemeClr val="tx1"/>
+                </a:solidFill>
+                <a:latin typeface="Arial" charset="0"/>
+              </a:rPr>
+              <a:t>차이 없음</a:t>
+            </a:r>
+            <a:r>
+              <a:rPr lang="en-US" altLang="ko-KR" sz="1400" dirty="0">
+                <a:solidFill>
+                  <a:schemeClr val="tx1"/>
+                </a:solidFill>
+                <a:latin typeface="Arial" charset="0"/>
+              </a:rPr>
+              <a:t>. </a:t>
+            </a:r>
+            <a:endParaRPr kumimoji="0" lang="en-US" altLang="ko-KR" sz="1400" b="0" i="0" u="none" strike="noStrike" cap="none" normalizeH="0" baseline="0" dirty="0">
+              <a:ln>
+                <a:noFill/>
+              </a:ln>
+              <a:solidFill>
+                <a:schemeClr val="tx1"/>
+              </a:solidFill>
+              <a:effectLst/>
+              <a:latin typeface="Arial" charset="0"/>
+            </a:endParaRPr>
+          </a:p>
+        </p:txBody>
+      </p:sp>
+      <p:pic>
+        <p:nvPicPr>
+          <p:cNvPr id="8" name="그림 7">
+            <a:extLst>
+              <a:ext uri="{FF2B5EF4-FFF2-40B4-BE49-F238E27FC236}">
+                <a16:creationId xmlns:a16="http://schemas.microsoft.com/office/drawing/2014/main" id="{BB8DD121-7B1E-02ED-B8E1-679CE951508E}"/>
+              </a:ext>
+            </a:extLst>
+          </p:cNvPr>
+          <p:cNvPicPr>
+            <a:picLocks noChangeAspect="1"/>
+          </p:cNvPicPr>
+          <p:nvPr/>
+        </p:nvPicPr>
+        <p:blipFill>
+          <a:blip r:embed="rId3"/>
+          <a:stretch>
+            <a:fillRect/>
+          </a:stretch>
+        </p:blipFill>
+        <p:spPr>
+          <a:xfrm>
+            <a:off x="701957" y="1538980"/>
+            <a:ext cx="2520027" cy="1663218"/>
+          </a:xfrm>
+          <a:prstGeom prst="rect">
+            <a:avLst/>
+          </a:prstGeom>
+          <a:ln w="38100" cap="sq">
+            <a:solidFill>
+              <a:srgbClr val="000000"/>
+            </a:solidFill>
+            <a:prstDash val="solid"/>
+            <a:miter lim="800000"/>
+          </a:ln>
+          <a:effectLst>
+            <a:outerShdw blurRad="50800" dist="38100" dir="2700000" algn="tl" rotWithShape="0">
+              <a:srgbClr val="000000">
+                <a:alpha val="43000"/>
+              </a:srgbClr>
+            </a:outerShdw>
+          </a:effectLst>
+        </p:spPr>
+      </p:pic>
+    </p:spTree>
+    <p:extLst>
+      <p:ext uri="{BB962C8B-B14F-4D97-AF65-F5344CB8AC3E}">
+        <p14:creationId xmlns:p14="http://schemas.microsoft.com/office/powerpoint/2010/main" val="4075085172"/>
       </p:ext>
     </p:extLst>
   </p:cSld>
@@ -8120,15 +9649,6 @@
 </file>
 
 <file path=customXml/item2.xml><?xml version="1.0" encoding="utf-8"?>
-<?mso-contentType ?>
-<FormTemplates xmlns="http://schemas.microsoft.com/sharepoint/v3/contenttype/forms">
-  <Display>DocumentLibraryForm</Display>
-  <Edit>DocumentLibraryForm</Edit>
-  <New>DocumentLibraryForm</New>
-</FormTemplates>
-</file>
-
-<file path=customXml/item3.xml><?xml version="1.0" encoding="utf-8"?>
 <ct:contentTypeSchema xmlns:ct="http://schemas.microsoft.com/office/2006/metadata/contentType" xmlns:ma="http://schemas.microsoft.com/office/2006/metadata/properties/metaAttributes" ct:_="" ma:_="" ma:contentTypeName="문서" ma:contentTypeID="0x01010048E678091357F24E8F48B77CA27B8190" ma:contentTypeVersion="13" ma:contentTypeDescription="새 문서를 만듭니다." ma:contentTypeScope="" ma:versionID="8f56fd7f689ce8c4e9cc7557b2243415">
   <xsd:schema xmlns:xsd="http://www.w3.org/2001/XMLSchema" xmlns:xs="http://www.w3.org/2001/XMLSchema" xmlns:p="http://schemas.microsoft.com/office/2006/metadata/properties" xmlns:ns2="df922d41-91bf-45f8-8b2c-e1591bc010d5" xmlns:ns3="ad4f9fb4-0e06-43e2-8892-d19b32436ccd" targetNamespace="http://schemas.microsoft.com/office/2006/metadata/properties" ma:root="true" ma:fieldsID="8e09176fa42ed14ec2a885492b4aa618" ns2:_="" ns3:_="">
     <xsd:import namespace="df922d41-91bf-45f8-8b2c-e1591bc010d5"/>
@@ -8351,6 +9871,15 @@
 </ct:contentTypeSchema>
 </file>
 
+<file path=customXml/item3.xml><?xml version="1.0" encoding="utf-8"?>
+<?mso-contentType ?>
+<FormTemplates xmlns="http://schemas.microsoft.com/sharepoint/v3/contenttype/forms">
+  <Display>DocumentLibraryForm</Display>
+  <Edit>DocumentLibraryForm</Edit>
+  <New>DocumentLibraryForm</New>
+</FormTemplates>
+</file>
+
 <file path=customXml/itemProps1.xml><?xml version="1.0" encoding="utf-8"?>
 <ds:datastoreItem xmlns:ds="http://schemas.openxmlformats.org/officeDocument/2006/customXml" ds:itemID="{353D9FF3-BD5B-4FDF-93A5-04CCE2E36E6A}">
   <ds:schemaRefs>
@@ -8361,14 +9890,6 @@
 </file>
 
 <file path=customXml/itemProps2.xml><?xml version="1.0" encoding="utf-8"?>
-<ds:datastoreItem xmlns:ds="http://schemas.openxmlformats.org/officeDocument/2006/customXml" ds:itemID="{B9C19A0C-75D1-4401-8263-08FD287577E3}">
-  <ds:schemaRefs>
-    <ds:schemaRef ds:uri="http://schemas.microsoft.com/sharepoint/v3/contenttype/forms"/>
-  </ds:schemaRefs>
-</ds:datastoreItem>
-</file>
-
-<file path=customXml/itemProps3.xml><?xml version="1.0" encoding="utf-8"?>
 <ds:datastoreItem xmlns:ds="http://schemas.openxmlformats.org/officeDocument/2006/customXml" ds:itemID="{46E6F837-4AA1-4FD8-A15B-14437577357C}">
   <ds:schemaRefs>
     <ds:schemaRef ds:uri="http://schemas.microsoft.com/office/2006/metadata/contentType"/>
@@ -8385,4 +9906,12 @@
     <ds:schemaRef ds:uri="http://schemas.microsoft.com/internal/obd"/>
   </ds:schemaRefs>
 </ds:datastoreItem>
+</file>
+
+<file path=customXml/itemProps3.xml><?xml version="1.0" encoding="utf-8"?>
+<ds:datastoreItem xmlns:ds="http://schemas.openxmlformats.org/officeDocument/2006/customXml" ds:itemID="{B9C19A0C-75D1-4401-8263-08FD287577E3}">
+  <ds:schemaRefs>
+    <ds:schemaRef ds:uri="http://schemas.microsoft.com/sharepoint/v3/contenttype/forms"/>
+  </ds:schemaRefs>
+</ds:datastoreItem>
 </file>